--- a/images/Shark attacks.pptx
+++ b/images/Shark attacks.pptx
@@ -5,14 +5,16 @@
     <p:sldMasterId id="2147483648" r:id="rId1"/>
   </p:sldMasterIdLst>
   <p:notesMasterIdLst>
-    <p:notesMasterId r:id="rId7"/>
+    <p:notesMasterId r:id="rId9"/>
   </p:notesMasterIdLst>
   <p:sldIdLst>
     <p:sldId id="256" r:id="rId2"/>
-    <p:sldId id="260" r:id="rId3"/>
-    <p:sldId id="257" r:id="rId4"/>
-    <p:sldId id="258" r:id="rId5"/>
-    <p:sldId id="259" r:id="rId6"/>
+    <p:sldId id="257" r:id="rId3"/>
+    <p:sldId id="258" r:id="rId4"/>
+    <p:sldId id="259" r:id="rId5"/>
+    <p:sldId id="260" r:id="rId6"/>
+    <p:sldId id="261" r:id="rId7"/>
+    <p:sldId id="262" r:id="rId8"/>
   </p:sldIdLst>
   <p:sldSz cx="12192000" cy="6858000"/>
   <p:notesSz cx="6858000" cy="9144000"/>
@@ -201,7 +203,7 @@
           <a:p>
             <a:fld id="{1B0FBAED-FAE0-4919-BD0C-451E5747E725}" type="datetimeFigureOut">
               <a:rPr lang="en-GB" smtClean="0"/>
-              <a:t>22/10/2023</a:t>
+              <a:t>23/10/2023</a:t>
             </a:fld>
             <a:endParaRPr lang="en-GB"/>
           </a:p>
@@ -615,7 +617,7 @@
           <a:p>
             <a:fld id="{4AED2FC4-E5A0-4DFA-BCC7-66FD8C740EF9}" type="datetime1">
               <a:rPr lang="en-GB" smtClean="0"/>
-              <a:t>22/10/2023</a:t>
+              <a:t>23/10/2023</a:t>
             </a:fld>
             <a:endParaRPr lang="en-GB"/>
           </a:p>
@@ -813,7 +815,7 @@
           <a:p>
             <a:fld id="{D8D7D1E8-CF32-4D89-9A61-B750CF825CA7}" type="datetime1">
               <a:rPr lang="en-GB" smtClean="0"/>
-              <a:t>22/10/2023</a:t>
+              <a:t>23/10/2023</a:t>
             </a:fld>
             <a:endParaRPr lang="en-GB"/>
           </a:p>
@@ -1021,7 +1023,7 @@
           <a:p>
             <a:fld id="{B6444148-0DD6-42A8-9B3F-164D47B58159}" type="datetime1">
               <a:rPr lang="en-GB" smtClean="0"/>
-              <a:t>22/10/2023</a:t>
+              <a:t>23/10/2023</a:t>
             </a:fld>
             <a:endParaRPr lang="en-GB"/>
           </a:p>
@@ -1219,7 +1221,7 @@
           <a:p>
             <a:fld id="{5C1D4895-3154-4D93-9B00-D9CEAE82DC83}" type="datetime1">
               <a:rPr lang="en-GB" smtClean="0"/>
-              <a:t>22/10/2023</a:t>
+              <a:t>23/10/2023</a:t>
             </a:fld>
             <a:endParaRPr lang="en-GB"/>
           </a:p>
@@ -1494,7 +1496,7 @@
           <a:p>
             <a:fld id="{D55031D3-147A-4CE1-8BDD-C08536936C40}" type="datetime1">
               <a:rPr lang="en-GB" smtClean="0"/>
-              <a:t>22/10/2023</a:t>
+              <a:t>23/10/2023</a:t>
             </a:fld>
             <a:endParaRPr lang="en-GB"/>
           </a:p>
@@ -1759,7 +1761,7 @@
           <a:p>
             <a:fld id="{AC5F0CC5-0EB3-4957-9E4C-FAB52C131C71}" type="datetime1">
               <a:rPr lang="en-GB" smtClean="0"/>
-              <a:t>22/10/2023</a:t>
+              <a:t>23/10/2023</a:t>
             </a:fld>
             <a:endParaRPr lang="en-GB"/>
           </a:p>
@@ -2171,7 +2173,7 @@
           <a:p>
             <a:fld id="{03D15207-C080-435A-94AF-55A2A8CAE7B4}" type="datetime1">
               <a:rPr lang="en-GB" smtClean="0"/>
-              <a:t>22/10/2023</a:t>
+              <a:t>23/10/2023</a:t>
             </a:fld>
             <a:endParaRPr lang="en-GB"/>
           </a:p>
@@ -2312,7 +2314,7 @@
           <a:p>
             <a:fld id="{91C2E056-F96E-4ED9-8535-9D786C8D5355}" type="datetime1">
               <a:rPr lang="en-GB" smtClean="0"/>
-              <a:t>22/10/2023</a:t>
+              <a:t>23/10/2023</a:t>
             </a:fld>
             <a:endParaRPr lang="en-GB"/>
           </a:p>
@@ -2425,7 +2427,7 @@
           <a:p>
             <a:fld id="{16CE1CAD-EFF4-4603-BEB7-89477BFB6B11}" type="datetime1">
               <a:rPr lang="en-GB" smtClean="0"/>
-              <a:t>22/10/2023</a:t>
+              <a:t>23/10/2023</a:t>
             </a:fld>
             <a:endParaRPr lang="en-GB"/>
           </a:p>
@@ -2736,7 +2738,7 @@
           <a:p>
             <a:fld id="{DA3315F5-FDB4-4946-9B53-AC3967D0AD38}" type="datetime1">
               <a:rPr lang="en-GB" smtClean="0"/>
-              <a:t>22/10/2023</a:t>
+              <a:t>23/10/2023</a:t>
             </a:fld>
             <a:endParaRPr lang="en-GB"/>
           </a:p>
@@ -3024,7 +3026,7 @@
           <a:p>
             <a:fld id="{282D8494-FD50-4B0E-98A0-ECCC12321DC4}" type="datetime1">
               <a:rPr lang="en-GB" smtClean="0"/>
-              <a:t>22/10/2023</a:t>
+              <a:t>23/10/2023</a:t>
             </a:fld>
             <a:endParaRPr lang="en-GB"/>
           </a:p>
@@ -3265,7 +3267,7 @@
           <a:p>
             <a:fld id="{A597496B-6AD0-4FB5-B787-BB7EC5FF5AA3}" type="datetime1">
               <a:rPr lang="en-GB" smtClean="0"/>
-              <a:t>22/10/2023</a:t>
+              <a:t>23/10/2023</a:t>
             </a:fld>
             <a:endParaRPr lang="en-GB"/>
           </a:p>
@@ -3977,6 +3979,1336 @@
       </p:grpSpPr>
       <p:sp>
         <p:nvSpPr>
+          <p:cNvPr id="3" name="Content Placeholder 2">
+            <a:extLst>
+              <a:ext uri="{FF2B5EF4-FFF2-40B4-BE49-F238E27FC236}">
+                <a16:creationId xmlns:a16="http://schemas.microsoft.com/office/drawing/2014/main" id="{E05C6E16-9518-B3F1-1D00-B0583D720145}"/>
+              </a:ext>
+            </a:extLst>
+          </p:cNvPr>
+          <p:cNvSpPr>
+            <a:spLocks noGrp="1"/>
+          </p:cNvSpPr>
+          <p:nvPr>
+            <p:ph idx="1"/>
+          </p:nvPr>
+        </p:nvSpPr>
+        <p:spPr>
+          <a:xfrm>
+            <a:off x="838200" y="709127"/>
+            <a:ext cx="10515600" cy="5467836"/>
+          </a:xfrm>
+        </p:spPr>
+        <p:txBody>
+          <a:bodyPr/>
+          <a:lstStyle/>
+          <a:p>
+            <a:pPr marL="0" indent="0">
+              <a:buNone/>
+            </a:pPr>
+            <a:r>
+              <a:rPr lang="es-ES" b="1" dirty="0"/>
+              <a:t>QUESTIONS TO BE ANSWERED:</a:t>
+            </a:r>
+          </a:p>
+          <a:p>
+            <a:pPr marL="0" indent="0">
+              <a:buNone/>
+            </a:pPr>
+            <a:endParaRPr lang="es-ES" b="1" dirty="0"/>
+          </a:p>
+          <a:p>
+            <a:pPr marL="514350" indent="-514350">
+              <a:buFont typeface="+mj-lt"/>
+              <a:buAutoNum type="arabicPeriod"/>
+            </a:pPr>
+            <a:r>
+              <a:rPr lang="en-GB" b="1" dirty="0"/>
+              <a:t>ACTIVITY THAT THE PERSON WAS DOING</a:t>
+            </a:r>
+          </a:p>
+          <a:p>
+            <a:pPr marL="971550" lvl="1" indent="-514350">
+              <a:buFont typeface="+mj-lt"/>
+              <a:buAutoNum type="arabicPeriod"/>
+            </a:pPr>
+            <a:r>
+              <a:rPr lang="en-GB" b="1" dirty="0"/>
+              <a:t>Activity with the highest attack rate</a:t>
+            </a:r>
+          </a:p>
+          <a:p>
+            <a:pPr marL="971550" lvl="1" indent="-514350">
+              <a:buFont typeface="+mj-lt"/>
+              <a:buAutoNum type="arabicPeriod"/>
+            </a:pPr>
+            <a:r>
+              <a:rPr lang="en-GB" b="1" dirty="0"/>
+              <a:t>Activity with the highest mortality</a:t>
+            </a:r>
+          </a:p>
+          <a:p>
+            <a:pPr marL="457200" lvl="1" indent="0">
+              <a:buNone/>
+            </a:pPr>
+            <a:endParaRPr lang="en-GB" b="1" dirty="0"/>
+          </a:p>
+          <a:p>
+            <a:pPr marL="514350" indent="-514350">
+              <a:buFont typeface="+mj-lt"/>
+              <a:buAutoNum type="arabicPeriod"/>
+            </a:pPr>
+            <a:r>
+              <a:rPr lang="en-GB" b="1" dirty="0"/>
+              <a:t>Jinxed names ??</a:t>
+            </a:r>
+          </a:p>
+          <a:p>
+            <a:pPr marL="0" indent="0">
+              <a:buNone/>
+            </a:pPr>
+            <a:endParaRPr lang="en-GB" b="1" dirty="0"/>
+          </a:p>
+          <a:p>
+            <a:pPr marL="514350" indent="-514350">
+              <a:buFont typeface="+mj-lt"/>
+              <a:buAutoNum type="arabicPeriod"/>
+            </a:pPr>
+            <a:r>
+              <a:rPr lang="en-GB" b="1" dirty="0"/>
+              <a:t>The worker </a:t>
+            </a:r>
+            <a:r>
+              <a:rPr lang="en-GB" b="1"/>
+              <a:t>of the 60’s  80’s and 2000’s</a:t>
+            </a:r>
+            <a:endParaRPr lang="en-GB" b="1" dirty="0"/>
+          </a:p>
+        </p:txBody>
+      </p:sp>
+      <p:sp>
+        <p:nvSpPr>
+          <p:cNvPr id="4" name="Slide Number Placeholder 3">
+            <a:extLst>
+              <a:ext uri="{FF2B5EF4-FFF2-40B4-BE49-F238E27FC236}">
+                <a16:creationId xmlns:a16="http://schemas.microsoft.com/office/drawing/2014/main" id="{83487598-FC16-4B46-247D-BA85E2D378B7}"/>
+              </a:ext>
+            </a:extLst>
+          </p:cNvPr>
+          <p:cNvSpPr>
+            <a:spLocks noGrp="1"/>
+          </p:cNvSpPr>
+          <p:nvPr>
+            <p:ph type="sldNum" sz="quarter" idx="12"/>
+          </p:nvPr>
+        </p:nvSpPr>
+        <p:spPr/>
+        <p:txBody>
+          <a:bodyPr/>
+          <a:lstStyle/>
+          <a:p>
+            <a:fld id="{71D42481-034A-49D2-AFBC-BA1781263327}" type="slidenum">
+              <a:rPr lang="en-GB" smtClean="0"/>
+              <a:t>2</a:t>
+            </a:fld>
+            <a:endParaRPr lang="en-GB"/>
+          </a:p>
+        </p:txBody>
+      </p:sp>
+      <p:sp>
+        <p:nvSpPr>
+          <p:cNvPr id="5" name="Slide Number Placeholder 7">
+            <a:extLst>
+              <a:ext uri="{FF2B5EF4-FFF2-40B4-BE49-F238E27FC236}">
+                <a16:creationId xmlns:a16="http://schemas.microsoft.com/office/drawing/2014/main" id="{54B185B4-8608-F8DA-ABEF-5247EE0308D3}"/>
+              </a:ext>
+            </a:extLst>
+          </p:cNvPr>
+          <p:cNvSpPr txBox="1">
+            <a:spLocks/>
+          </p:cNvSpPr>
+          <p:nvPr/>
+        </p:nvSpPr>
+        <p:spPr>
+          <a:xfrm>
+            <a:off x="10963468" y="6356350"/>
+            <a:ext cx="390331" cy="365125"/>
+          </a:xfrm>
+          <a:prstGeom prst="rect">
+            <a:avLst/>
+          </a:prstGeom>
+        </p:spPr>
+        <p:txBody>
+          <a:bodyPr vert="horz" lIns="91440" tIns="45720" rIns="91440" bIns="45720" rtlCol="0" anchor="ctr"/>
+          <a:lstStyle>
+            <a:defPPr>
+              <a:defRPr lang="en-US"/>
+            </a:defPPr>
+            <a:lvl1pPr marL="0" algn="r" defTabSz="914400" rtl="0" eaLnBrk="1" latinLnBrk="0" hangingPunct="1">
+              <a:defRPr sz="1200" kern="1200">
+                <a:solidFill>
+                  <a:schemeClr val="tx1">
+                    <a:tint val="75000"/>
+                  </a:schemeClr>
+                </a:solidFill>
+                <a:latin typeface="+mn-lt"/>
+                <a:ea typeface="+mn-ea"/>
+                <a:cs typeface="+mn-cs"/>
+              </a:defRPr>
+            </a:lvl1pPr>
+            <a:lvl2pPr marL="457200" algn="l" defTabSz="914400" rtl="0" eaLnBrk="1" latinLnBrk="0" hangingPunct="1">
+              <a:defRPr sz="1800" kern="1200">
+                <a:solidFill>
+                  <a:schemeClr val="tx1"/>
+                </a:solidFill>
+                <a:latin typeface="+mn-lt"/>
+                <a:ea typeface="+mn-ea"/>
+                <a:cs typeface="+mn-cs"/>
+              </a:defRPr>
+            </a:lvl2pPr>
+            <a:lvl3pPr marL="914400" algn="l" defTabSz="914400" rtl="0" eaLnBrk="1" latinLnBrk="0" hangingPunct="1">
+              <a:defRPr sz="1800" kern="1200">
+                <a:solidFill>
+                  <a:schemeClr val="tx1"/>
+                </a:solidFill>
+                <a:latin typeface="+mn-lt"/>
+                <a:ea typeface="+mn-ea"/>
+                <a:cs typeface="+mn-cs"/>
+              </a:defRPr>
+            </a:lvl3pPr>
+            <a:lvl4pPr marL="1371600" algn="l" defTabSz="914400" rtl="0" eaLnBrk="1" latinLnBrk="0" hangingPunct="1">
+              <a:defRPr sz="1800" kern="1200">
+                <a:solidFill>
+                  <a:schemeClr val="tx1"/>
+                </a:solidFill>
+                <a:latin typeface="+mn-lt"/>
+                <a:ea typeface="+mn-ea"/>
+                <a:cs typeface="+mn-cs"/>
+              </a:defRPr>
+            </a:lvl4pPr>
+            <a:lvl5pPr marL="1828800" algn="l" defTabSz="914400" rtl="0" eaLnBrk="1" latinLnBrk="0" hangingPunct="1">
+              <a:defRPr sz="1800" kern="1200">
+                <a:solidFill>
+                  <a:schemeClr val="tx1"/>
+                </a:solidFill>
+                <a:latin typeface="+mn-lt"/>
+                <a:ea typeface="+mn-ea"/>
+                <a:cs typeface="+mn-cs"/>
+              </a:defRPr>
+            </a:lvl5pPr>
+            <a:lvl6pPr marL="2286000" algn="l" defTabSz="914400" rtl="0" eaLnBrk="1" latinLnBrk="0" hangingPunct="1">
+              <a:defRPr sz="1800" kern="1200">
+                <a:solidFill>
+                  <a:schemeClr val="tx1"/>
+                </a:solidFill>
+                <a:latin typeface="+mn-lt"/>
+                <a:ea typeface="+mn-ea"/>
+                <a:cs typeface="+mn-cs"/>
+              </a:defRPr>
+            </a:lvl6pPr>
+            <a:lvl7pPr marL="2743200" algn="l" defTabSz="914400" rtl="0" eaLnBrk="1" latinLnBrk="0" hangingPunct="1">
+              <a:defRPr sz="1800" kern="1200">
+                <a:solidFill>
+                  <a:schemeClr val="tx1"/>
+                </a:solidFill>
+                <a:latin typeface="+mn-lt"/>
+                <a:ea typeface="+mn-ea"/>
+                <a:cs typeface="+mn-cs"/>
+              </a:defRPr>
+            </a:lvl7pPr>
+            <a:lvl8pPr marL="3200400" algn="l" defTabSz="914400" rtl="0" eaLnBrk="1" latinLnBrk="0" hangingPunct="1">
+              <a:defRPr sz="1800" kern="1200">
+                <a:solidFill>
+                  <a:schemeClr val="tx1"/>
+                </a:solidFill>
+                <a:latin typeface="+mn-lt"/>
+                <a:ea typeface="+mn-ea"/>
+                <a:cs typeface="+mn-cs"/>
+              </a:defRPr>
+            </a:lvl8pPr>
+            <a:lvl9pPr marL="3657600" algn="l" defTabSz="914400" rtl="0" eaLnBrk="1" latinLnBrk="0" hangingPunct="1">
+              <a:defRPr sz="1800" kern="1200">
+                <a:solidFill>
+                  <a:schemeClr val="tx1"/>
+                </a:solidFill>
+                <a:latin typeface="+mn-lt"/>
+                <a:ea typeface="+mn-ea"/>
+                <a:cs typeface="+mn-cs"/>
+              </a:defRPr>
+            </a:lvl9pPr>
+          </a:lstStyle>
+          <a:p>
+            <a:fld id="{71D42481-034A-49D2-AFBC-BA1781263327}" type="slidenum">
+              <a:rPr lang="en-GB" smtClean="0"/>
+              <a:pPr/>
+              <a:t>2</a:t>
+            </a:fld>
+            <a:endParaRPr lang="en-GB" dirty="0"/>
+          </a:p>
+        </p:txBody>
+      </p:sp>
+    </p:spTree>
+    <p:extLst>
+      <p:ext uri="{BB962C8B-B14F-4D97-AF65-F5344CB8AC3E}">
+        <p14:creationId xmlns:p14="http://schemas.microsoft.com/office/powerpoint/2010/main" val="2339553407"/>
+      </p:ext>
+    </p:extLst>
+  </p:cSld>
+  <p:clrMapOvr>
+    <a:masterClrMapping/>
+  </p:clrMapOvr>
+</p:sld>
+</file>
+
+<file path=ppt/slides/slide3.xml><?xml version="1.0" encoding="utf-8"?>
+<p:sld xmlns:a="http://schemas.openxmlformats.org/drawingml/2006/main" xmlns:r="http://schemas.openxmlformats.org/officeDocument/2006/relationships" xmlns:p="http://schemas.openxmlformats.org/presentationml/2006/main">
+  <p:cSld>
+    <p:spTree>
+      <p:nvGrpSpPr>
+        <p:cNvPr id="1" name=""/>
+        <p:cNvGrpSpPr/>
+        <p:nvPr/>
+      </p:nvGrpSpPr>
+      <p:grpSpPr>
+        <a:xfrm>
+          <a:off x="0" y="0"/>
+          <a:ext cx="0" cy="0"/>
+          <a:chOff x="0" y="0"/>
+          <a:chExt cx="0" cy="0"/>
+        </a:xfrm>
+      </p:grpSpPr>
+      <p:sp>
+        <p:nvSpPr>
+          <p:cNvPr id="3" name="Content Placeholder 2">
+            <a:extLst>
+              <a:ext uri="{FF2B5EF4-FFF2-40B4-BE49-F238E27FC236}">
+                <a16:creationId xmlns:a16="http://schemas.microsoft.com/office/drawing/2014/main" id="{E05C6E16-9518-B3F1-1D00-B0583D720145}"/>
+              </a:ext>
+            </a:extLst>
+          </p:cNvPr>
+          <p:cNvSpPr>
+            <a:spLocks noGrp="1"/>
+          </p:cNvSpPr>
+          <p:nvPr>
+            <p:ph idx="1"/>
+          </p:nvPr>
+        </p:nvSpPr>
+        <p:spPr>
+          <a:xfrm>
+            <a:off x="632926" y="528638"/>
+            <a:ext cx="5257800" cy="531844"/>
+          </a:xfrm>
+        </p:spPr>
+        <p:txBody>
+          <a:bodyPr/>
+          <a:lstStyle/>
+          <a:p>
+            <a:pPr marL="457200" lvl="1" indent="0">
+              <a:buNone/>
+            </a:pPr>
+            <a:r>
+              <a:rPr lang="en-GB" b="1" u="sng" dirty="0"/>
+              <a:t>Activity with the highest attack rate</a:t>
+            </a:r>
+          </a:p>
+        </p:txBody>
+      </p:sp>
+      <p:sp>
+        <p:nvSpPr>
+          <p:cNvPr id="4" name="Slide Number Placeholder 3">
+            <a:extLst>
+              <a:ext uri="{FF2B5EF4-FFF2-40B4-BE49-F238E27FC236}">
+                <a16:creationId xmlns:a16="http://schemas.microsoft.com/office/drawing/2014/main" id="{83487598-FC16-4B46-247D-BA85E2D378B7}"/>
+              </a:ext>
+            </a:extLst>
+          </p:cNvPr>
+          <p:cNvSpPr>
+            <a:spLocks noGrp="1"/>
+          </p:cNvSpPr>
+          <p:nvPr>
+            <p:ph type="sldNum" sz="quarter" idx="12"/>
+          </p:nvPr>
+        </p:nvSpPr>
+        <p:spPr/>
+        <p:txBody>
+          <a:bodyPr/>
+          <a:lstStyle/>
+          <a:p>
+            <a:fld id="{71D42481-034A-49D2-AFBC-BA1781263327}" type="slidenum">
+              <a:rPr lang="en-GB" smtClean="0"/>
+              <a:t>3</a:t>
+            </a:fld>
+            <a:endParaRPr lang="en-GB"/>
+          </a:p>
+        </p:txBody>
+      </p:sp>
+      <p:sp>
+        <p:nvSpPr>
+          <p:cNvPr id="5" name="Slide Number Placeholder 7">
+            <a:extLst>
+              <a:ext uri="{FF2B5EF4-FFF2-40B4-BE49-F238E27FC236}">
+                <a16:creationId xmlns:a16="http://schemas.microsoft.com/office/drawing/2014/main" id="{54B185B4-8608-F8DA-ABEF-5247EE0308D3}"/>
+              </a:ext>
+            </a:extLst>
+          </p:cNvPr>
+          <p:cNvSpPr txBox="1">
+            <a:spLocks/>
+          </p:cNvSpPr>
+          <p:nvPr/>
+        </p:nvSpPr>
+        <p:spPr>
+          <a:xfrm>
+            <a:off x="10963468" y="6356350"/>
+            <a:ext cx="390331" cy="365125"/>
+          </a:xfrm>
+          <a:prstGeom prst="rect">
+            <a:avLst/>
+          </a:prstGeom>
+        </p:spPr>
+        <p:txBody>
+          <a:bodyPr vert="horz" lIns="91440" tIns="45720" rIns="91440" bIns="45720" rtlCol="0" anchor="ctr"/>
+          <a:lstStyle>
+            <a:defPPr>
+              <a:defRPr lang="en-US"/>
+            </a:defPPr>
+            <a:lvl1pPr marL="0" algn="r" defTabSz="914400" rtl="0" eaLnBrk="1" latinLnBrk="0" hangingPunct="1">
+              <a:defRPr sz="1200" kern="1200">
+                <a:solidFill>
+                  <a:schemeClr val="tx1">
+                    <a:tint val="75000"/>
+                  </a:schemeClr>
+                </a:solidFill>
+                <a:latin typeface="+mn-lt"/>
+                <a:ea typeface="+mn-ea"/>
+                <a:cs typeface="+mn-cs"/>
+              </a:defRPr>
+            </a:lvl1pPr>
+            <a:lvl2pPr marL="457200" algn="l" defTabSz="914400" rtl="0" eaLnBrk="1" latinLnBrk="0" hangingPunct="1">
+              <a:defRPr sz="1800" kern="1200">
+                <a:solidFill>
+                  <a:schemeClr val="tx1"/>
+                </a:solidFill>
+                <a:latin typeface="+mn-lt"/>
+                <a:ea typeface="+mn-ea"/>
+                <a:cs typeface="+mn-cs"/>
+              </a:defRPr>
+            </a:lvl2pPr>
+            <a:lvl3pPr marL="914400" algn="l" defTabSz="914400" rtl="0" eaLnBrk="1" latinLnBrk="0" hangingPunct="1">
+              <a:defRPr sz="1800" kern="1200">
+                <a:solidFill>
+                  <a:schemeClr val="tx1"/>
+                </a:solidFill>
+                <a:latin typeface="+mn-lt"/>
+                <a:ea typeface="+mn-ea"/>
+                <a:cs typeface="+mn-cs"/>
+              </a:defRPr>
+            </a:lvl3pPr>
+            <a:lvl4pPr marL="1371600" algn="l" defTabSz="914400" rtl="0" eaLnBrk="1" latinLnBrk="0" hangingPunct="1">
+              <a:defRPr sz="1800" kern="1200">
+                <a:solidFill>
+                  <a:schemeClr val="tx1"/>
+                </a:solidFill>
+                <a:latin typeface="+mn-lt"/>
+                <a:ea typeface="+mn-ea"/>
+                <a:cs typeface="+mn-cs"/>
+              </a:defRPr>
+            </a:lvl4pPr>
+            <a:lvl5pPr marL="1828800" algn="l" defTabSz="914400" rtl="0" eaLnBrk="1" latinLnBrk="0" hangingPunct="1">
+              <a:defRPr sz="1800" kern="1200">
+                <a:solidFill>
+                  <a:schemeClr val="tx1"/>
+                </a:solidFill>
+                <a:latin typeface="+mn-lt"/>
+                <a:ea typeface="+mn-ea"/>
+                <a:cs typeface="+mn-cs"/>
+              </a:defRPr>
+            </a:lvl5pPr>
+            <a:lvl6pPr marL="2286000" algn="l" defTabSz="914400" rtl="0" eaLnBrk="1" latinLnBrk="0" hangingPunct="1">
+              <a:defRPr sz="1800" kern="1200">
+                <a:solidFill>
+                  <a:schemeClr val="tx1"/>
+                </a:solidFill>
+                <a:latin typeface="+mn-lt"/>
+                <a:ea typeface="+mn-ea"/>
+                <a:cs typeface="+mn-cs"/>
+              </a:defRPr>
+            </a:lvl6pPr>
+            <a:lvl7pPr marL="2743200" algn="l" defTabSz="914400" rtl="0" eaLnBrk="1" latinLnBrk="0" hangingPunct="1">
+              <a:defRPr sz="1800" kern="1200">
+                <a:solidFill>
+                  <a:schemeClr val="tx1"/>
+                </a:solidFill>
+                <a:latin typeface="+mn-lt"/>
+                <a:ea typeface="+mn-ea"/>
+                <a:cs typeface="+mn-cs"/>
+              </a:defRPr>
+            </a:lvl7pPr>
+            <a:lvl8pPr marL="3200400" algn="l" defTabSz="914400" rtl="0" eaLnBrk="1" latinLnBrk="0" hangingPunct="1">
+              <a:defRPr sz="1800" kern="1200">
+                <a:solidFill>
+                  <a:schemeClr val="tx1"/>
+                </a:solidFill>
+                <a:latin typeface="+mn-lt"/>
+                <a:ea typeface="+mn-ea"/>
+                <a:cs typeface="+mn-cs"/>
+              </a:defRPr>
+            </a:lvl8pPr>
+            <a:lvl9pPr marL="3657600" algn="l" defTabSz="914400" rtl="0" eaLnBrk="1" latinLnBrk="0" hangingPunct="1">
+              <a:defRPr sz="1800" kern="1200">
+                <a:solidFill>
+                  <a:schemeClr val="tx1"/>
+                </a:solidFill>
+                <a:latin typeface="+mn-lt"/>
+                <a:ea typeface="+mn-ea"/>
+                <a:cs typeface="+mn-cs"/>
+              </a:defRPr>
+            </a:lvl9pPr>
+          </a:lstStyle>
+          <a:p>
+            <a:fld id="{71D42481-034A-49D2-AFBC-BA1781263327}" type="slidenum">
+              <a:rPr lang="en-GB" smtClean="0"/>
+              <a:pPr/>
+              <a:t>3</a:t>
+            </a:fld>
+            <a:endParaRPr lang="en-GB" dirty="0"/>
+          </a:p>
+        </p:txBody>
+      </p:sp>
+      <p:sp>
+        <p:nvSpPr>
+          <p:cNvPr id="2" name="Content Placeholder 2">
+            <a:extLst>
+              <a:ext uri="{FF2B5EF4-FFF2-40B4-BE49-F238E27FC236}">
+                <a16:creationId xmlns:a16="http://schemas.microsoft.com/office/drawing/2014/main" id="{1868F857-9CBB-DA1B-BEDF-8C4C2D36B111}"/>
+              </a:ext>
+            </a:extLst>
+          </p:cNvPr>
+          <p:cNvSpPr txBox="1">
+            <a:spLocks/>
+          </p:cNvSpPr>
+          <p:nvPr/>
+        </p:nvSpPr>
+        <p:spPr>
+          <a:xfrm>
+            <a:off x="990600" y="1520889"/>
+            <a:ext cx="10515600" cy="4808473"/>
+          </a:xfrm>
+          <a:prstGeom prst="rect">
+            <a:avLst/>
+          </a:prstGeom>
+        </p:spPr>
+        <p:txBody>
+          <a:bodyPr vert="horz" lIns="91440" tIns="45720" rIns="91440" bIns="45720" rtlCol="0">
+            <a:normAutofit/>
+          </a:bodyPr>
+          <a:lstStyle>
+            <a:lvl1pPr marL="228600" indent="-228600" algn="l" defTabSz="914400" rtl="0" eaLnBrk="1" latinLnBrk="0" hangingPunct="1">
+              <a:lnSpc>
+                <a:spcPct val="90000"/>
+              </a:lnSpc>
+              <a:spcBef>
+                <a:spcPts val="1000"/>
+              </a:spcBef>
+              <a:buFont typeface="Arial" panose="020B0604020202020204" pitchFamily="34" charset="0"/>
+              <a:buChar char="•"/>
+              <a:defRPr sz="2800" kern="1200">
+                <a:solidFill>
+                  <a:schemeClr val="tx1"/>
+                </a:solidFill>
+                <a:latin typeface="+mn-lt"/>
+                <a:ea typeface="+mn-ea"/>
+                <a:cs typeface="+mn-cs"/>
+              </a:defRPr>
+            </a:lvl1pPr>
+            <a:lvl2pPr marL="685800" indent="-228600" algn="l" defTabSz="914400" rtl="0" eaLnBrk="1" latinLnBrk="0" hangingPunct="1">
+              <a:lnSpc>
+                <a:spcPct val="90000"/>
+              </a:lnSpc>
+              <a:spcBef>
+                <a:spcPts val="500"/>
+              </a:spcBef>
+              <a:buFont typeface="Arial" panose="020B0604020202020204" pitchFamily="34" charset="0"/>
+              <a:buChar char="•"/>
+              <a:defRPr sz="2400" kern="1200">
+                <a:solidFill>
+                  <a:schemeClr val="tx1"/>
+                </a:solidFill>
+                <a:latin typeface="+mn-lt"/>
+                <a:ea typeface="+mn-ea"/>
+                <a:cs typeface="+mn-cs"/>
+              </a:defRPr>
+            </a:lvl2pPr>
+            <a:lvl3pPr marL="1143000" indent="-228600" algn="l" defTabSz="914400" rtl="0" eaLnBrk="1" latinLnBrk="0" hangingPunct="1">
+              <a:lnSpc>
+                <a:spcPct val="90000"/>
+              </a:lnSpc>
+              <a:spcBef>
+                <a:spcPts val="500"/>
+              </a:spcBef>
+              <a:buFont typeface="Arial" panose="020B0604020202020204" pitchFamily="34" charset="0"/>
+              <a:buChar char="•"/>
+              <a:defRPr sz="2000" kern="1200">
+                <a:solidFill>
+                  <a:schemeClr val="tx1"/>
+                </a:solidFill>
+                <a:latin typeface="+mn-lt"/>
+                <a:ea typeface="+mn-ea"/>
+                <a:cs typeface="+mn-cs"/>
+              </a:defRPr>
+            </a:lvl3pPr>
+            <a:lvl4pPr marL="1600200" indent="-228600" algn="l" defTabSz="914400" rtl="0" eaLnBrk="1" latinLnBrk="0" hangingPunct="1">
+              <a:lnSpc>
+                <a:spcPct val="90000"/>
+              </a:lnSpc>
+              <a:spcBef>
+                <a:spcPts val="500"/>
+              </a:spcBef>
+              <a:buFont typeface="Arial" panose="020B0604020202020204" pitchFamily="34" charset="0"/>
+              <a:buChar char="•"/>
+              <a:defRPr sz="1800" kern="1200">
+                <a:solidFill>
+                  <a:schemeClr val="tx1"/>
+                </a:solidFill>
+                <a:latin typeface="+mn-lt"/>
+                <a:ea typeface="+mn-ea"/>
+                <a:cs typeface="+mn-cs"/>
+              </a:defRPr>
+            </a:lvl4pPr>
+            <a:lvl5pPr marL="2057400" indent="-228600" algn="l" defTabSz="914400" rtl="0" eaLnBrk="1" latinLnBrk="0" hangingPunct="1">
+              <a:lnSpc>
+                <a:spcPct val="90000"/>
+              </a:lnSpc>
+              <a:spcBef>
+                <a:spcPts val="500"/>
+              </a:spcBef>
+              <a:buFont typeface="Arial" panose="020B0604020202020204" pitchFamily="34" charset="0"/>
+              <a:buChar char="•"/>
+              <a:defRPr sz="1800" kern="1200">
+                <a:solidFill>
+                  <a:schemeClr val="tx1"/>
+                </a:solidFill>
+                <a:latin typeface="+mn-lt"/>
+                <a:ea typeface="+mn-ea"/>
+                <a:cs typeface="+mn-cs"/>
+              </a:defRPr>
+            </a:lvl5pPr>
+            <a:lvl6pPr marL="2514600" indent="-228600" algn="l" defTabSz="914400" rtl="0" eaLnBrk="1" latinLnBrk="0" hangingPunct="1">
+              <a:lnSpc>
+                <a:spcPct val="90000"/>
+              </a:lnSpc>
+              <a:spcBef>
+                <a:spcPts val="500"/>
+              </a:spcBef>
+              <a:buFont typeface="Arial" panose="020B0604020202020204" pitchFamily="34" charset="0"/>
+              <a:buChar char="•"/>
+              <a:defRPr sz="1800" kern="1200">
+                <a:solidFill>
+                  <a:schemeClr val="tx1"/>
+                </a:solidFill>
+                <a:latin typeface="+mn-lt"/>
+                <a:ea typeface="+mn-ea"/>
+                <a:cs typeface="+mn-cs"/>
+              </a:defRPr>
+            </a:lvl6pPr>
+            <a:lvl7pPr marL="2971800" indent="-228600" algn="l" defTabSz="914400" rtl="0" eaLnBrk="1" latinLnBrk="0" hangingPunct="1">
+              <a:lnSpc>
+                <a:spcPct val="90000"/>
+              </a:lnSpc>
+              <a:spcBef>
+                <a:spcPts val="500"/>
+              </a:spcBef>
+              <a:buFont typeface="Arial" panose="020B0604020202020204" pitchFamily="34" charset="0"/>
+              <a:buChar char="•"/>
+              <a:defRPr sz="1800" kern="1200">
+                <a:solidFill>
+                  <a:schemeClr val="tx1"/>
+                </a:solidFill>
+                <a:latin typeface="+mn-lt"/>
+                <a:ea typeface="+mn-ea"/>
+                <a:cs typeface="+mn-cs"/>
+              </a:defRPr>
+            </a:lvl7pPr>
+            <a:lvl8pPr marL="3429000" indent="-228600" algn="l" defTabSz="914400" rtl="0" eaLnBrk="1" latinLnBrk="0" hangingPunct="1">
+              <a:lnSpc>
+                <a:spcPct val="90000"/>
+              </a:lnSpc>
+              <a:spcBef>
+                <a:spcPts val="500"/>
+              </a:spcBef>
+              <a:buFont typeface="Arial" panose="020B0604020202020204" pitchFamily="34" charset="0"/>
+              <a:buChar char="•"/>
+              <a:defRPr sz="1800" kern="1200">
+                <a:solidFill>
+                  <a:schemeClr val="tx1"/>
+                </a:solidFill>
+                <a:latin typeface="+mn-lt"/>
+                <a:ea typeface="+mn-ea"/>
+                <a:cs typeface="+mn-cs"/>
+              </a:defRPr>
+            </a:lvl8pPr>
+            <a:lvl9pPr marL="3886200" indent="-228600" algn="l" defTabSz="914400" rtl="0" eaLnBrk="1" latinLnBrk="0" hangingPunct="1">
+              <a:lnSpc>
+                <a:spcPct val="90000"/>
+              </a:lnSpc>
+              <a:spcBef>
+                <a:spcPts val="500"/>
+              </a:spcBef>
+              <a:buFont typeface="Arial" panose="020B0604020202020204" pitchFamily="34" charset="0"/>
+              <a:buChar char="•"/>
+              <a:defRPr sz="1800" kern="1200">
+                <a:solidFill>
+                  <a:schemeClr val="tx1"/>
+                </a:solidFill>
+                <a:latin typeface="+mn-lt"/>
+                <a:ea typeface="+mn-ea"/>
+                <a:cs typeface="+mn-cs"/>
+              </a:defRPr>
+            </a:lvl9pPr>
+          </a:lstStyle>
+          <a:p>
+            <a:pPr marL="457200" lvl="1" indent="0">
+              <a:buFont typeface="Arial" panose="020B0604020202020204" pitchFamily="34" charset="0"/>
+              <a:buNone/>
+            </a:pPr>
+            <a:endParaRPr lang="en-GB" b="1" u="sng" dirty="0"/>
+          </a:p>
+        </p:txBody>
+      </p:sp>
+      <p:pic>
+        <p:nvPicPr>
+          <p:cNvPr id="7" name="Picture 6">
+            <a:extLst>
+              <a:ext uri="{FF2B5EF4-FFF2-40B4-BE49-F238E27FC236}">
+                <a16:creationId xmlns:a16="http://schemas.microsoft.com/office/drawing/2014/main" id="{4E3B9078-2FD2-1BB6-D526-1486E0940951}"/>
+              </a:ext>
+            </a:extLst>
+          </p:cNvPr>
+          <p:cNvPicPr>
+            <a:picLocks noChangeAspect="1"/>
+          </p:cNvPicPr>
+          <p:nvPr/>
+        </p:nvPicPr>
+        <p:blipFill>
+          <a:blip r:embed="rId2"/>
+          <a:stretch>
+            <a:fillRect/>
+          </a:stretch>
+        </p:blipFill>
+        <p:spPr>
+          <a:xfrm>
+            <a:off x="1234005" y="1357657"/>
+            <a:ext cx="6701127" cy="723070"/>
+          </a:xfrm>
+          <a:prstGeom prst="rect">
+            <a:avLst/>
+          </a:prstGeom>
+        </p:spPr>
+      </p:pic>
+      <p:pic>
+        <p:nvPicPr>
+          <p:cNvPr id="9" name="Picture 8">
+            <a:extLst>
+              <a:ext uri="{FF2B5EF4-FFF2-40B4-BE49-F238E27FC236}">
+                <a16:creationId xmlns:a16="http://schemas.microsoft.com/office/drawing/2014/main" id="{E2803710-552D-1DD2-D1BC-D0DAB741075E}"/>
+              </a:ext>
+            </a:extLst>
+          </p:cNvPr>
+          <p:cNvPicPr>
+            <a:picLocks noChangeAspect="1"/>
+          </p:cNvPicPr>
+          <p:nvPr/>
+        </p:nvPicPr>
+        <p:blipFill>
+          <a:blip r:embed="rId3"/>
+          <a:stretch>
+            <a:fillRect/>
+          </a:stretch>
+        </p:blipFill>
+        <p:spPr>
+          <a:xfrm>
+            <a:off x="632926" y="2382192"/>
+            <a:ext cx="5211131" cy="3172247"/>
+          </a:xfrm>
+          <a:prstGeom prst="rect">
+            <a:avLst/>
+          </a:prstGeom>
+          <a:ln>
+            <a:solidFill>
+              <a:schemeClr val="tx1"/>
+            </a:solidFill>
+          </a:ln>
+        </p:spPr>
+      </p:pic>
+      <p:pic>
+        <p:nvPicPr>
+          <p:cNvPr id="11" name="Picture 10">
+            <a:extLst>
+              <a:ext uri="{FF2B5EF4-FFF2-40B4-BE49-F238E27FC236}">
+                <a16:creationId xmlns:a16="http://schemas.microsoft.com/office/drawing/2014/main" id="{E93E900C-E360-BC13-EC1B-EDDDA6E1217E}"/>
+              </a:ext>
+            </a:extLst>
+          </p:cNvPr>
+          <p:cNvPicPr>
+            <a:picLocks noChangeAspect="1"/>
+          </p:cNvPicPr>
+          <p:nvPr/>
+        </p:nvPicPr>
+        <p:blipFill>
+          <a:blip r:embed="rId4"/>
+          <a:stretch>
+            <a:fillRect/>
+          </a:stretch>
+        </p:blipFill>
+        <p:spPr>
+          <a:xfrm>
+            <a:off x="6018245" y="2377902"/>
+            <a:ext cx="5761882" cy="3471982"/>
+          </a:xfrm>
+          <a:prstGeom prst="rect">
+            <a:avLst/>
+          </a:prstGeom>
+          <a:ln>
+            <a:solidFill>
+              <a:schemeClr val="tx1"/>
+            </a:solidFill>
+          </a:ln>
+        </p:spPr>
+      </p:pic>
+    </p:spTree>
+    <p:extLst>
+      <p:ext uri="{BB962C8B-B14F-4D97-AF65-F5344CB8AC3E}">
+        <p14:creationId xmlns:p14="http://schemas.microsoft.com/office/powerpoint/2010/main" val="2932378845"/>
+      </p:ext>
+    </p:extLst>
+  </p:cSld>
+  <p:clrMapOvr>
+    <a:masterClrMapping/>
+  </p:clrMapOvr>
+</p:sld>
+</file>
+
+<file path=ppt/slides/slide4.xml><?xml version="1.0" encoding="utf-8"?>
+<p:sld xmlns:a="http://schemas.openxmlformats.org/drawingml/2006/main" xmlns:r="http://schemas.openxmlformats.org/officeDocument/2006/relationships" xmlns:p="http://schemas.openxmlformats.org/presentationml/2006/main">
+  <p:cSld>
+    <p:spTree>
+      <p:nvGrpSpPr>
+        <p:cNvPr id="1" name=""/>
+        <p:cNvGrpSpPr/>
+        <p:nvPr/>
+      </p:nvGrpSpPr>
+      <p:grpSpPr>
+        <a:xfrm>
+          <a:off x="0" y="0"/>
+          <a:ext cx="0" cy="0"/>
+          <a:chOff x="0" y="0"/>
+          <a:chExt cx="0" cy="0"/>
+        </a:xfrm>
+      </p:grpSpPr>
+      <p:sp>
+        <p:nvSpPr>
+          <p:cNvPr id="3" name="Content Placeholder 2">
+            <a:extLst>
+              <a:ext uri="{FF2B5EF4-FFF2-40B4-BE49-F238E27FC236}">
+                <a16:creationId xmlns:a16="http://schemas.microsoft.com/office/drawing/2014/main" id="{E05C6E16-9518-B3F1-1D00-B0583D720145}"/>
+              </a:ext>
+            </a:extLst>
+          </p:cNvPr>
+          <p:cNvSpPr>
+            <a:spLocks noGrp="1"/>
+          </p:cNvSpPr>
+          <p:nvPr>
+            <p:ph idx="1"/>
+          </p:nvPr>
+        </p:nvSpPr>
+        <p:spPr>
+          <a:xfrm>
+            <a:off x="632926" y="528638"/>
+            <a:ext cx="7977674" cy="531844"/>
+          </a:xfrm>
+        </p:spPr>
+        <p:txBody>
+          <a:bodyPr>
+            <a:normAutofit/>
+          </a:bodyPr>
+          <a:lstStyle/>
+          <a:p>
+            <a:pPr marL="457200" lvl="1" indent="0">
+              <a:buNone/>
+            </a:pPr>
+            <a:r>
+              <a:rPr lang="es-ES" b="1" u="sng" dirty="0"/>
+              <a:t>I</a:t>
+            </a:r>
+            <a:r>
+              <a:rPr lang="en-GB" b="1" u="sng" dirty="0"/>
+              <a:t>s there a correlation between mortality and sex or age</a:t>
+            </a:r>
+          </a:p>
+        </p:txBody>
+      </p:sp>
+      <p:sp>
+        <p:nvSpPr>
+          <p:cNvPr id="4" name="Slide Number Placeholder 3">
+            <a:extLst>
+              <a:ext uri="{FF2B5EF4-FFF2-40B4-BE49-F238E27FC236}">
+                <a16:creationId xmlns:a16="http://schemas.microsoft.com/office/drawing/2014/main" id="{83487598-FC16-4B46-247D-BA85E2D378B7}"/>
+              </a:ext>
+            </a:extLst>
+          </p:cNvPr>
+          <p:cNvSpPr>
+            <a:spLocks noGrp="1"/>
+          </p:cNvSpPr>
+          <p:nvPr>
+            <p:ph type="sldNum" sz="quarter" idx="12"/>
+          </p:nvPr>
+        </p:nvSpPr>
+        <p:spPr/>
+        <p:txBody>
+          <a:bodyPr/>
+          <a:lstStyle/>
+          <a:p>
+            <a:fld id="{71D42481-034A-49D2-AFBC-BA1781263327}" type="slidenum">
+              <a:rPr lang="en-GB" smtClean="0"/>
+              <a:t>4</a:t>
+            </a:fld>
+            <a:endParaRPr lang="en-GB"/>
+          </a:p>
+        </p:txBody>
+      </p:sp>
+      <p:sp>
+        <p:nvSpPr>
+          <p:cNvPr id="5" name="Slide Number Placeholder 7">
+            <a:extLst>
+              <a:ext uri="{FF2B5EF4-FFF2-40B4-BE49-F238E27FC236}">
+                <a16:creationId xmlns:a16="http://schemas.microsoft.com/office/drawing/2014/main" id="{54B185B4-8608-F8DA-ABEF-5247EE0308D3}"/>
+              </a:ext>
+            </a:extLst>
+          </p:cNvPr>
+          <p:cNvSpPr txBox="1">
+            <a:spLocks/>
+          </p:cNvSpPr>
+          <p:nvPr/>
+        </p:nvSpPr>
+        <p:spPr>
+          <a:xfrm>
+            <a:off x="10963468" y="6356350"/>
+            <a:ext cx="390331" cy="365125"/>
+          </a:xfrm>
+          <a:prstGeom prst="rect">
+            <a:avLst/>
+          </a:prstGeom>
+        </p:spPr>
+        <p:txBody>
+          <a:bodyPr vert="horz" lIns="91440" tIns="45720" rIns="91440" bIns="45720" rtlCol="0" anchor="ctr"/>
+          <a:lstStyle>
+            <a:defPPr>
+              <a:defRPr lang="en-US"/>
+            </a:defPPr>
+            <a:lvl1pPr marL="0" algn="r" defTabSz="914400" rtl="0" eaLnBrk="1" latinLnBrk="0" hangingPunct="1">
+              <a:defRPr sz="1200" kern="1200">
+                <a:solidFill>
+                  <a:schemeClr val="tx1">
+                    <a:tint val="75000"/>
+                  </a:schemeClr>
+                </a:solidFill>
+                <a:latin typeface="+mn-lt"/>
+                <a:ea typeface="+mn-ea"/>
+                <a:cs typeface="+mn-cs"/>
+              </a:defRPr>
+            </a:lvl1pPr>
+            <a:lvl2pPr marL="457200" algn="l" defTabSz="914400" rtl="0" eaLnBrk="1" latinLnBrk="0" hangingPunct="1">
+              <a:defRPr sz="1800" kern="1200">
+                <a:solidFill>
+                  <a:schemeClr val="tx1"/>
+                </a:solidFill>
+                <a:latin typeface="+mn-lt"/>
+                <a:ea typeface="+mn-ea"/>
+                <a:cs typeface="+mn-cs"/>
+              </a:defRPr>
+            </a:lvl2pPr>
+            <a:lvl3pPr marL="914400" algn="l" defTabSz="914400" rtl="0" eaLnBrk="1" latinLnBrk="0" hangingPunct="1">
+              <a:defRPr sz="1800" kern="1200">
+                <a:solidFill>
+                  <a:schemeClr val="tx1"/>
+                </a:solidFill>
+                <a:latin typeface="+mn-lt"/>
+                <a:ea typeface="+mn-ea"/>
+                <a:cs typeface="+mn-cs"/>
+              </a:defRPr>
+            </a:lvl3pPr>
+            <a:lvl4pPr marL="1371600" algn="l" defTabSz="914400" rtl="0" eaLnBrk="1" latinLnBrk="0" hangingPunct="1">
+              <a:defRPr sz="1800" kern="1200">
+                <a:solidFill>
+                  <a:schemeClr val="tx1"/>
+                </a:solidFill>
+                <a:latin typeface="+mn-lt"/>
+                <a:ea typeface="+mn-ea"/>
+                <a:cs typeface="+mn-cs"/>
+              </a:defRPr>
+            </a:lvl4pPr>
+            <a:lvl5pPr marL="1828800" algn="l" defTabSz="914400" rtl="0" eaLnBrk="1" latinLnBrk="0" hangingPunct="1">
+              <a:defRPr sz="1800" kern="1200">
+                <a:solidFill>
+                  <a:schemeClr val="tx1"/>
+                </a:solidFill>
+                <a:latin typeface="+mn-lt"/>
+                <a:ea typeface="+mn-ea"/>
+                <a:cs typeface="+mn-cs"/>
+              </a:defRPr>
+            </a:lvl5pPr>
+            <a:lvl6pPr marL="2286000" algn="l" defTabSz="914400" rtl="0" eaLnBrk="1" latinLnBrk="0" hangingPunct="1">
+              <a:defRPr sz="1800" kern="1200">
+                <a:solidFill>
+                  <a:schemeClr val="tx1"/>
+                </a:solidFill>
+                <a:latin typeface="+mn-lt"/>
+                <a:ea typeface="+mn-ea"/>
+                <a:cs typeface="+mn-cs"/>
+              </a:defRPr>
+            </a:lvl6pPr>
+            <a:lvl7pPr marL="2743200" algn="l" defTabSz="914400" rtl="0" eaLnBrk="1" latinLnBrk="0" hangingPunct="1">
+              <a:defRPr sz="1800" kern="1200">
+                <a:solidFill>
+                  <a:schemeClr val="tx1"/>
+                </a:solidFill>
+                <a:latin typeface="+mn-lt"/>
+                <a:ea typeface="+mn-ea"/>
+                <a:cs typeface="+mn-cs"/>
+              </a:defRPr>
+            </a:lvl7pPr>
+            <a:lvl8pPr marL="3200400" algn="l" defTabSz="914400" rtl="0" eaLnBrk="1" latinLnBrk="0" hangingPunct="1">
+              <a:defRPr sz="1800" kern="1200">
+                <a:solidFill>
+                  <a:schemeClr val="tx1"/>
+                </a:solidFill>
+                <a:latin typeface="+mn-lt"/>
+                <a:ea typeface="+mn-ea"/>
+                <a:cs typeface="+mn-cs"/>
+              </a:defRPr>
+            </a:lvl8pPr>
+            <a:lvl9pPr marL="3657600" algn="l" defTabSz="914400" rtl="0" eaLnBrk="1" latinLnBrk="0" hangingPunct="1">
+              <a:defRPr sz="1800" kern="1200">
+                <a:solidFill>
+                  <a:schemeClr val="tx1"/>
+                </a:solidFill>
+                <a:latin typeface="+mn-lt"/>
+                <a:ea typeface="+mn-ea"/>
+                <a:cs typeface="+mn-cs"/>
+              </a:defRPr>
+            </a:lvl9pPr>
+          </a:lstStyle>
+          <a:p>
+            <a:fld id="{71D42481-034A-49D2-AFBC-BA1781263327}" type="slidenum">
+              <a:rPr lang="en-GB" smtClean="0"/>
+              <a:pPr/>
+              <a:t>4</a:t>
+            </a:fld>
+            <a:endParaRPr lang="en-GB" dirty="0"/>
+          </a:p>
+        </p:txBody>
+      </p:sp>
+      <p:sp>
+        <p:nvSpPr>
+          <p:cNvPr id="2" name="Content Placeholder 2">
+            <a:extLst>
+              <a:ext uri="{FF2B5EF4-FFF2-40B4-BE49-F238E27FC236}">
+                <a16:creationId xmlns:a16="http://schemas.microsoft.com/office/drawing/2014/main" id="{1868F857-9CBB-DA1B-BEDF-8C4C2D36B111}"/>
+              </a:ext>
+            </a:extLst>
+          </p:cNvPr>
+          <p:cNvSpPr txBox="1">
+            <a:spLocks/>
+          </p:cNvSpPr>
+          <p:nvPr/>
+        </p:nvSpPr>
+        <p:spPr>
+          <a:xfrm>
+            <a:off x="990600" y="1520889"/>
+            <a:ext cx="10515600" cy="4808473"/>
+          </a:xfrm>
+          <a:prstGeom prst="rect">
+            <a:avLst/>
+          </a:prstGeom>
+        </p:spPr>
+        <p:txBody>
+          <a:bodyPr vert="horz" lIns="91440" tIns="45720" rIns="91440" bIns="45720" rtlCol="0">
+            <a:normAutofit/>
+          </a:bodyPr>
+          <a:lstStyle>
+            <a:lvl1pPr marL="228600" indent="-228600" algn="l" defTabSz="914400" rtl="0" eaLnBrk="1" latinLnBrk="0" hangingPunct="1">
+              <a:lnSpc>
+                <a:spcPct val="90000"/>
+              </a:lnSpc>
+              <a:spcBef>
+                <a:spcPts val="1000"/>
+              </a:spcBef>
+              <a:buFont typeface="Arial" panose="020B0604020202020204" pitchFamily="34" charset="0"/>
+              <a:buChar char="•"/>
+              <a:defRPr sz="2800" kern="1200">
+                <a:solidFill>
+                  <a:schemeClr val="tx1"/>
+                </a:solidFill>
+                <a:latin typeface="+mn-lt"/>
+                <a:ea typeface="+mn-ea"/>
+                <a:cs typeface="+mn-cs"/>
+              </a:defRPr>
+            </a:lvl1pPr>
+            <a:lvl2pPr marL="685800" indent="-228600" algn="l" defTabSz="914400" rtl="0" eaLnBrk="1" latinLnBrk="0" hangingPunct="1">
+              <a:lnSpc>
+                <a:spcPct val="90000"/>
+              </a:lnSpc>
+              <a:spcBef>
+                <a:spcPts val="500"/>
+              </a:spcBef>
+              <a:buFont typeface="Arial" panose="020B0604020202020204" pitchFamily="34" charset="0"/>
+              <a:buChar char="•"/>
+              <a:defRPr sz="2400" kern="1200">
+                <a:solidFill>
+                  <a:schemeClr val="tx1"/>
+                </a:solidFill>
+                <a:latin typeface="+mn-lt"/>
+                <a:ea typeface="+mn-ea"/>
+                <a:cs typeface="+mn-cs"/>
+              </a:defRPr>
+            </a:lvl2pPr>
+            <a:lvl3pPr marL="1143000" indent="-228600" algn="l" defTabSz="914400" rtl="0" eaLnBrk="1" latinLnBrk="0" hangingPunct="1">
+              <a:lnSpc>
+                <a:spcPct val="90000"/>
+              </a:lnSpc>
+              <a:spcBef>
+                <a:spcPts val="500"/>
+              </a:spcBef>
+              <a:buFont typeface="Arial" panose="020B0604020202020204" pitchFamily="34" charset="0"/>
+              <a:buChar char="•"/>
+              <a:defRPr sz="2000" kern="1200">
+                <a:solidFill>
+                  <a:schemeClr val="tx1"/>
+                </a:solidFill>
+                <a:latin typeface="+mn-lt"/>
+                <a:ea typeface="+mn-ea"/>
+                <a:cs typeface="+mn-cs"/>
+              </a:defRPr>
+            </a:lvl3pPr>
+            <a:lvl4pPr marL="1600200" indent="-228600" algn="l" defTabSz="914400" rtl="0" eaLnBrk="1" latinLnBrk="0" hangingPunct="1">
+              <a:lnSpc>
+                <a:spcPct val="90000"/>
+              </a:lnSpc>
+              <a:spcBef>
+                <a:spcPts val="500"/>
+              </a:spcBef>
+              <a:buFont typeface="Arial" panose="020B0604020202020204" pitchFamily="34" charset="0"/>
+              <a:buChar char="•"/>
+              <a:defRPr sz="1800" kern="1200">
+                <a:solidFill>
+                  <a:schemeClr val="tx1"/>
+                </a:solidFill>
+                <a:latin typeface="+mn-lt"/>
+                <a:ea typeface="+mn-ea"/>
+                <a:cs typeface="+mn-cs"/>
+              </a:defRPr>
+            </a:lvl4pPr>
+            <a:lvl5pPr marL="2057400" indent="-228600" algn="l" defTabSz="914400" rtl="0" eaLnBrk="1" latinLnBrk="0" hangingPunct="1">
+              <a:lnSpc>
+                <a:spcPct val="90000"/>
+              </a:lnSpc>
+              <a:spcBef>
+                <a:spcPts val="500"/>
+              </a:spcBef>
+              <a:buFont typeface="Arial" panose="020B0604020202020204" pitchFamily="34" charset="0"/>
+              <a:buChar char="•"/>
+              <a:defRPr sz="1800" kern="1200">
+                <a:solidFill>
+                  <a:schemeClr val="tx1"/>
+                </a:solidFill>
+                <a:latin typeface="+mn-lt"/>
+                <a:ea typeface="+mn-ea"/>
+                <a:cs typeface="+mn-cs"/>
+              </a:defRPr>
+            </a:lvl5pPr>
+            <a:lvl6pPr marL="2514600" indent="-228600" algn="l" defTabSz="914400" rtl="0" eaLnBrk="1" latinLnBrk="0" hangingPunct="1">
+              <a:lnSpc>
+                <a:spcPct val="90000"/>
+              </a:lnSpc>
+              <a:spcBef>
+                <a:spcPts val="500"/>
+              </a:spcBef>
+              <a:buFont typeface="Arial" panose="020B0604020202020204" pitchFamily="34" charset="0"/>
+              <a:buChar char="•"/>
+              <a:defRPr sz="1800" kern="1200">
+                <a:solidFill>
+                  <a:schemeClr val="tx1"/>
+                </a:solidFill>
+                <a:latin typeface="+mn-lt"/>
+                <a:ea typeface="+mn-ea"/>
+                <a:cs typeface="+mn-cs"/>
+              </a:defRPr>
+            </a:lvl6pPr>
+            <a:lvl7pPr marL="2971800" indent="-228600" algn="l" defTabSz="914400" rtl="0" eaLnBrk="1" latinLnBrk="0" hangingPunct="1">
+              <a:lnSpc>
+                <a:spcPct val="90000"/>
+              </a:lnSpc>
+              <a:spcBef>
+                <a:spcPts val="500"/>
+              </a:spcBef>
+              <a:buFont typeface="Arial" panose="020B0604020202020204" pitchFamily="34" charset="0"/>
+              <a:buChar char="•"/>
+              <a:defRPr sz="1800" kern="1200">
+                <a:solidFill>
+                  <a:schemeClr val="tx1"/>
+                </a:solidFill>
+                <a:latin typeface="+mn-lt"/>
+                <a:ea typeface="+mn-ea"/>
+                <a:cs typeface="+mn-cs"/>
+              </a:defRPr>
+            </a:lvl7pPr>
+            <a:lvl8pPr marL="3429000" indent="-228600" algn="l" defTabSz="914400" rtl="0" eaLnBrk="1" latinLnBrk="0" hangingPunct="1">
+              <a:lnSpc>
+                <a:spcPct val="90000"/>
+              </a:lnSpc>
+              <a:spcBef>
+                <a:spcPts val="500"/>
+              </a:spcBef>
+              <a:buFont typeface="Arial" panose="020B0604020202020204" pitchFamily="34" charset="0"/>
+              <a:buChar char="•"/>
+              <a:defRPr sz="1800" kern="1200">
+                <a:solidFill>
+                  <a:schemeClr val="tx1"/>
+                </a:solidFill>
+                <a:latin typeface="+mn-lt"/>
+                <a:ea typeface="+mn-ea"/>
+                <a:cs typeface="+mn-cs"/>
+              </a:defRPr>
+            </a:lvl8pPr>
+            <a:lvl9pPr marL="3886200" indent="-228600" algn="l" defTabSz="914400" rtl="0" eaLnBrk="1" latinLnBrk="0" hangingPunct="1">
+              <a:lnSpc>
+                <a:spcPct val="90000"/>
+              </a:lnSpc>
+              <a:spcBef>
+                <a:spcPts val="500"/>
+              </a:spcBef>
+              <a:buFont typeface="Arial" panose="020B0604020202020204" pitchFamily="34" charset="0"/>
+              <a:buChar char="•"/>
+              <a:defRPr sz="1800" kern="1200">
+                <a:solidFill>
+                  <a:schemeClr val="tx1"/>
+                </a:solidFill>
+                <a:latin typeface="+mn-lt"/>
+                <a:ea typeface="+mn-ea"/>
+                <a:cs typeface="+mn-cs"/>
+              </a:defRPr>
+            </a:lvl9pPr>
+          </a:lstStyle>
+          <a:p>
+            <a:pPr marL="457200" lvl="1" indent="0">
+              <a:buFont typeface="Arial" panose="020B0604020202020204" pitchFamily="34" charset="0"/>
+              <a:buNone/>
+            </a:pPr>
+            <a:endParaRPr lang="en-GB" b="1" u="sng" dirty="0"/>
+          </a:p>
+        </p:txBody>
+      </p:sp>
+      <p:pic>
+        <p:nvPicPr>
+          <p:cNvPr id="18" name="Picture 17">
+            <a:extLst>
+              <a:ext uri="{FF2B5EF4-FFF2-40B4-BE49-F238E27FC236}">
+                <a16:creationId xmlns:a16="http://schemas.microsoft.com/office/drawing/2014/main" id="{7EF4B81E-CB33-A991-C606-A3D174A2C637}"/>
+              </a:ext>
+            </a:extLst>
+          </p:cNvPr>
+          <p:cNvPicPr>
+            <a:picLocks noChangeAspect="1"/>
+          </p:cNvPicPr>
+          <p:nvPr/>
+        </p:nvPicPr>
+        <p:blipFill>
+          <a:blip r:embed="rId2"/>
+          <a:stretch>
+            <a:fillRect/>
+          </a:stretch>
+        </p:blipFill>
+        <p:spPr>
+          <a:xfrm>
+            <a:off x="6096000" y="1726050"/>
+            <a:ext cx="5320592" cy="4023977"/>
+          </a:xfrm>
+          <a:prstGeom prst="rect">
+            <a:avLst/>
+          </a:prstGeom>
+          <a:ln>
+            <a:solidFill>
+              <a:schemeClr val="tx1"/>
+            </a:solidFill>
+          </a:ln>
+        </p:spPr>
+      </p:pic>
+      <p:pic>
+        <p:nvPicPr>
+          <p:cNvPr id="20" name="Picture 19">
+            <a:extLst>
+              <a:ext uri="{FF2B5EF4-FFF2-40B4-BE49-F238E27FC236}">
+                <a16:creationId xmlns:a16="http://schemas.microsoft.com/office/drawing/2014/main" id="{E17820F7-98D9-1C7B-1D7A-07CDB919BC85}"/>
+              </a:ext>
+            </a:extLst>
+          </p:cNvPr>
+          <p:cNvPicPr>
+            <a:picLocks noChangeAspect="1"/>
+          </p:cNvPicPr>
+          <p:nvPr/>
+        </p:nvPicPr>
+        <p:blipFill>
+          <a:blip r:embed="rId3"/>
+          <a:stretch>
+            <a:fillRect/>
+          </a:stretch>
+        </p:blipFill>
+        <p:spPr>
+          <a:xfrm>
+            <a:off x="1380648" y="1948556"/>
+            <a:ext cx="4109826" cy="3883076"/>
+          </a:xfrm>
+          <a:prstGeom prst="rect">
+            <a:avLst/>
+          </a:prstGeom>
+          <a:ln>
+            <a:solidFill>
+              <a:schemeClr val="tx1"/>
+            </a:solidFill>
+          </a:ln>
+        </p:spPr>
+      </p:pic>
+    </p:spTree>
+    <p:extLst>
+      <p:ext uri="{BB962C8B-B14F-4D97-AF65-F5344CB8AC3E}">
+        <p14:creationId xmlns:p14="http://schemas.microsoft.com/office/powerpoint/2010/main" val="3464049124"/>
+      </p:ext>
+    </p:extLst>
+  </p:cSld>
+  <p:clrMapOvr>
+    <a:masterClrMapping/>
+  </p:clrMapOvr>
+</p:sld>
+</file>
+
+<file path=ppt/slides/slide5.xml><?xml version="1.0" encoding="utf-8"?>
+<p:sld xmlns:a="http://schemas.openxmlformats.org/drawingml/2006/main" xmlns:r="http://schemas.openxmlformats.org/officeDocument/2006/relationships" xmlns:p="http://schemas.openxmlformats.org/presentationml/2006/main">
+  <p:cSld>
+    <p:spTree>
+      <p:nvGrpSpPr>
+        <p:cNvPr id="1" name=""/>
+        <p:cNvGrpSpPr/>
+        <p:nvPr/>
+      </p:nvGrpSpPr>
+      <p:grpSpPr>
+        <a:xfrm>
+          <a:off x="0" y="0"/>
+          <a:ext cx="0" cy="0"/>
+          <a:chOff x="0" y="0"/>
+          <a:chExt cx="0" cy="0"/>
+        </a:xfrm>
+      </p:grpSpPr>
+      <p:sp>
+        <p:nvSpPr>
           <p:cNvPr id="2" name="Title 1">
             <a:extLst>
               <a:ext uri="{FF2B5EF4-FFF2-40B4-BE49-F238E27FC236}">
@@ -4002,32 +5334,8 @@
           <a:lstStyle/>
           <a:p>
             <a:r>
-              <a:rPr lang="es-ES" dirty="0" err="1"/>
-              <a:t>Name’s</a:t>
-            </a:r>
-            <a:r>
-              <a:rPr lang="es-ES" dirty="0"/>
-              <a:t> </a:t>
-            </a:r>
-            <a:r>
-              <a:rPr lang="es-ES" dirty="0" err="1"/>
-              <a:t>having</a:t>
-            </a:r>
-            <a:r>
-              <a:rPr lang="es-ES" dirty="0"/>
-              <a:t> </a:t>
-            </a:r>
-            <a:r>
-              <a:rPr lang="es-ES" dirty="0" err="1"/>
-              <a:t>bad</a:t>
-            </a:r>
-            <a:r>
-              <a:rPr lang="es-ES" dirty="0"/>
-              <a:t> </a:t>
-            </a:r>
-            <a:r>
-              <a:rPr lang="es-ES" dirty="0" err="1"/>
-              <a:t>luck</a:t>
+              <a:rPr lang="en-GB" b="1" dirty="0"/>
+              <a:t>Jinxed names</a:t>
             </a:r>
             <a:r>
               <a:rPr lang="es-ES" dirty="0"/>
@@ -4053,13 +5361,13 @@
             <p:ph idx="1"/>
             <p:extLst>
               <p:ext uri="{D42A27DB-BD31-4B8C-83A1-F6EECF244321}">
-                <p14:modId xmlns:p14="http://schemas.microsoft.com/office/powerpoint/2010/main" val="4097267947"/>
+                <p14:modId xmlns:p14="http://schemas.microsoft.com/office/powerpoint/2010/main" val="1864012489"/>
               </p:ext>
             </p:extLst>
           </p:nvPr>
         </p:nvGraphicFramePr>
         <p:xfrm>
-          <a:off x="838200" y="1865947"/>
+          <a:off x="6814457" y="500376"/>
           <a:ext cx="4405604" cy="2225040"/>
         </p:xfrm>
         <a:graphic>
@@ -4331,9 +5639,780 @@
           <a:p>
             <a:fld id="{71D42481-034A-49D2-AFBC-BA1781263327}" type="slidenum">
               <a:rPr lang="en-GB" smtClean="0"/>
-              <a:t>2</a:t>
+              <a:t>5</a:t>
             </a:fld>
             <a:endParaRPr lang="en-GB"/>
+          </a:p>
+        </p:txBody>
+      </p:sp>
+      <p:graphicFrame>
+        <p:nvGraphicFramePr>
+          <p:cNvPr id="3" name="Table 2">
+            <a:extLst>
+              <a:ext uri="{FF2B5EF4-FFF2-40B4-BE49-F238E27FC236}">
+                <a16:creationId xmlns:a16="http://schemas.microsoft.com/office/drawing/2014/main" id="{DA51B70B-1A12-6861-5578-3A270B4E4B34}"/>
+              </a:ext>
+            </a:extLst>
+          </p:cNvPr>
+          <p:cNvGraphicFramePr>
+            <a:graphicFrameLocks noGrp="1"/>
+          </p:cNvGraphicFramePr>
+          <p:nvPr>
+            <p:extLst>
+              <p:ext uri="{D42A27DB-BD31-4B8C-83A1-F6EECF244321}">
+                <p14:modId xmlns:p14="http://schemas.microsoft.com/office/powerpoint/2010/main" val="1255253391"/>
+              </p:ext>
+            </p:extLst>
+          </p:nvPr>
+        </p:nvGraphicFramePr>
+        <p:xfrm>
+          <a:off x="1326931" y="2934917"/>
+          <a:ext cx="8940800" cy="2494280"/>
+        </p:xfrm>
+        <a:graphic>
+          <a:graphicData uri="http://schemas.openxmlformats.org/drawingml/2006/table">
+            <a:tbl>
+              <a:tblPr firstRow="1" bandRow="1">
+                <a:tableStyleId>{21E4AEA4-8DFA-4A89-87EB-49C32662AFE0}</a:tableStyleId>
+              </a:tblPr>
+              <a:tblGrid>
+                <a:gridCol w="1788160">
+                  <a:extLst>
+                    <a:ext uri="{9D8B030D-6E8A-4147-A177-3AD203B41FA5}">
+                      <a16:colId xmlns:a16="http://schemas.microsoft.com/office/drawing/2014/main" val="1746236589"/>
+                    </a:ext>
+                  </a:extLst>
+                </a:gridCol>
+                <a:gridCol w="1788160">
+                  <a:extLst>
+                    <a:ext uri="{9D8B030D-6E8A-4147-A177-3AD203B41FA5}">
+                      <a16:colId xmlns:a16="http://schemas.microsoft.com/office/drawing/2014/main" val="3708098408"/>
+                    </a:ext>
+                  </a:extLst>
+                </a:gridCol>
+                <a:gridCol w="1788160">
+                  <a:extLst>
+                    <a:ext uri="{9D8B030D-6E8A-4147-A177-3AD203B41FA5}">
+                      <a16:colId xmlns:a16="http://schemas.microsoft.com/office/drawing/2014/main" val="3521060253"/>
+                    </a:ext>
+                  </a:extLst>
+                </a:gridCol>
+                <a:gridCol w="1788160">
+                  <a:extLst>
+                    <a:ext uri="{9D8B030D-6E8A-4147-A177-3AD203B41FA5}">
+                      <a16:colId xmlns:a16="http://schemas.microsoft.com/office/drawing/2014/main" val="321245926"/>
+                    </a:ext>
+                  </a:extLst>
+                </a:gridCol>
+                <a:gridCol w="1788160">
+                  <a:extLst>
+                    <a:ext uri="{9D8B030D-6E8A-4147-A177-3AD203B41FA5}">
+                      <a16:colId xmlns:a16="http://schemas.microsoft.com/office/drawing/2014/main" val="3487206689"/>
+                    </a:ext>
+                  </a:extLst>
+                </a:gridCol>
+              </a:tblGrid>
+              <a:tr h="370840">
+                <a:tc>
+                  <a:txBody>
+                    <a:bodyPr/>
+                    <a:lstStyle/>
+                    <a:p>
+                      <a:pPr algn="ctr"/>
+                      <a:r>
+                        <a:rPr lang="es-ES" dirty="0"/>
+                        <a:t>NAME</a:t>
+                      </a:r>
+                      <a:endParaRPr lang="en-GB" dirty="0"/>
+                    </a:p>
+                  </a:txBody>
+                  <a:tcPr/>
+                </a:tc>
+                <a:tc>
+                  <a:txBody>
+                    <a:bodyPr/>
+                    <a:lstStyle/>
+                    <a:p>
+                      <a:pPr algn="ctr"/>
+                      <a:r>
+                        <a:rPr lang="es-ES" dirty="0" err="1"/>
+                        <a:t>Most</a:t>
+                      </a:r>
+                      <a:r>
+                        <a:rPr lang="es-ES" dirty="0"/>
+                        <a:t> </a:t>
+                      </a:r>
+                      <a:r>
+                        <a:rPr lang="es-ES" dirty="0" err="1"/>
+                        <a:t>attacked</a:t>
+                      </a:r>
+                      <a:r>
+                        <a:rPr lang="es-ES" dirty="0"/>
+                        <a:t> in..</a:t>
+                      </a:r>
+                      <a:endParaRPr lang="en-GB" dirty="0"/>
+                    </a:p>
+                  </a:txBody>
+                  <a:tcPr/>
+                </a:tc>
+                <a:tc>
+                  <a:txBody>
+                    <a:bodyPr/>
+                    <a:lstStyle/>
+                    <a:p>
+                      <a:pPr algn="ctr"/>
+                      <a:r>
+                        <a:rPr lang="es-ES" dirty="0" err="1"/>
+                        <a:t>Freq</a:t>
+                      </a:r>
+                      <a:r>
+                        <a:rPr lang="es-ES" dirty="0"/>
+                        <a:t>. </a:t>
+                      </a:r>
+                      <a:r>
+                        <a:rPr lang="es-ES" dirty="0" err="1"/>
+                        <a:t>Attacked</a:t>
+                      </a:r>
+                      <a:endParaRPr lang="en-GB" dirty="0"/>
+                    </a:p>
+                  </a:txBody>
+                  <a:tcPr/>
+                </a:tc>
+                <a:tc>
+                  <a:txBody>
+                    <a:bodyPr/>
+                    <a:lstStyle/>
+                    <a:p>
+                      <a:pPr algn="ctr"/>
+                      <a:r>
+                        <a:rPr lang="es-ES" dirty="0" err="1"/>
+                        <a:t>Freq</a:t>
+                      </a:r>
+                      <a:r>
+                        <a:rPr lang="es-ES" dirty="0"/>
+                        <a:t>. </a:t>
+                      </a:r>
+                      <a:r>
+                        <a:rPr lang="es-ES" dirty="0" err="1"/>
+                        <a:t>Name</a:t>
+                      </a:r>
+                      <a:r>
+                        <a:rPr lang="es-ES" dirty="0"/>
+                        <a:t> in…</a:t>
+                      </a:r>
+                      <a:endParaRPr lang="en-GB" dirty="0"/>
+                    </a:p>
+                  </a:txBody>
+                  <a:tcPr/>
+                </a:tc>
+                <a:tc>
+                  <a:txBody>
+                    <a:bodyPr/>
+                    <a:lstStyle/>
+                    <a:p>
+                      <a:pPr algn="ctr"/>
+                      <a:r>
+                        <a:rPr lang="es-ES" b="1" dirty="0" err="1"/>
+                        <a:t>Jinx</a:t>
+                      </a:r>
+                      <a:endParaRPr lang="en-GB" b="1" dirty="0"/>
+                    </a:p>
+                  </a:txBody>
+                  <a:tcPr/>
+                </a:tc>
+                <a:extLst>
+                  <a:ext uri="{0D108BD9-81ED-4DB2-BD59-A6C34878D82A}">
+                    <a16:rowId xmlns:a16="http://schemas.microsoft.com/office/drawing/2014/main" val="3533713217"/>
+                  </a:ext>
+                </a:extLst>
+              </a:tr>
+              <a:tr h="370840">
+                <a:tc>
+                  <a:txBody>
+                    <a:bodyPr/>
+                    <a:lstStyle/>
+                    <a:p>
+                      <a:pPr algn="ctr"/>
+                      <a:r>
+                        <a:rPr lang="en-GB" dirty="0"/>
+                        <a:t>John</a:t>
+                      </a:r>
+                    </a:p>
+                  </a:txBody>
+                  <a:tcPr/>
+                </a:tc>
+                <a:tc>
+                  <a:txBody>
+                    <a:bodyPr/>
+                    <a:lstStyle/>
+                    <a:p>
+                      <a:pPr algn="ctr"/>
+                      <a:r>
+                        <a:rPr lang="es-ES" dirty="0"/>
+                        <a:t>USA</a:t>
+                      </a:r>
+                      <a:endParaRPr lang="en-GB" dirty="0"/>
+                    </a:p>
+                  </a:txBody>
+                  <a:tcPr/>
+                </a:tc>
+                <a:tc>
+                  <a:txBody>
+                    <a:bodyPr/>
+                    <a:lstStyle/>
+                    <a:p>
+                      <a:pPr algn="ctr"/>
+                      <a:r>
+                        <a:rPr lang="es-ES" dirty="0"/>
+                        <a:t>2,81</a:t>
+                      </a:r>
+                      <a:endParaRPr lang="en-GB" dirty="0"/>
+                    </a:p>
+                  </a:txBody>
+                  <a:tcPr/>
+                </a:tc>
+                <a:tc>
+                  <a:txBody>
+                    <a:bodyPr/>
+                    <a:lstStyle/>
+                    <a:p>
+                      <a:pPr algn="ctr"/>
+                      <a:r>
+                        <a:rPr lang="es-ES" dirty="0"/>
+                        <a:t>3,27%</a:t>
+                      </a:r>
+                      <a:endParaRPr lang="en-GB" dirty="0"/>
+                    </a:p>
+                  </a:txBody>
+                  <a:tcPr/>
+                </a:tc>
+                <a:tc>
+                  <a:txBody>
+                    <a:bodyPr/>
+                    <a:lstStyle/>
+                    <a:p>
+                      <a:pPr algn="ctr"/>
+                      <a:r>
+                        <a:rPr lang="es-ES" b="1" dirty="0"/>
+                        <a:t>no</a:t>
+                      </a:r>
+                      <a:endParaRPr lang="en-GB" b="1" dirty="0"/>
+                    </a:p>
+                  </a:txBody>
+                  <a:tcPr/>
+                </a:tc>
+                <a:extLst>
+                  <a:ext uri="{0D108BD9-81ED-4DB2-BD59-A6C34878D82A}">
+                    <a16:rowId xmlns:a16="http://schemas.microsoft.com/office/drawing/2014/main" val="2159494872"/>
+                  </a:ext>
+                </a:extLst>
+              </a:tr>
+              <a:tr h="370840">
+                <a:tc>
+                  <a:txBody>
+                    <a:bodyPr/>
+                    <a:lstStyle/>
+                    <a:p>
+                      <a:pPr algn="ctr"/>
+                      <a:r>
+                        <a:rPr lang="en-GB" dirty="0"/>
+                        <a:t>William</a:t>
+                      </a:r>
+                    </a:p>
+                  </a:txBody>
+                  <a:tcPr/>
+                </a:tc>
+                <a:tc>
+                  <a:txBody>
+                    <a:bodyPr/>
+                    <a:lstStyle/>
+                    <a:p>
+                      <a:pPr algn="ctr"/>
+                      <a:r>
+                        <a:rPr lang="es-ES" dirty="0"/>
+                        <a:t>USA</a:t>
+                      </a:r>
+                      <a:endParaRPr lang="en-GB" dirty="0"/>
+                    </a:p>
+                  </a:txBody>
+                  <a:tcPr/>
+                </a:tc>
+                <a:tc>
+                  <a:txBody>
+                    <a:bodyPr/>
+                    <a:lstStyle/>
+                    <a:p>
+                      <a:pPr algn="ctr"/>
+                      <a:r>
+                        <a:rPr lang="es-ES" dirty="0"/>
+                        <a:t>2,44</a:t>
+                      </a:r>
+                      <a:endParaRPr lang="en-GB" dirty="0"/>
+                    </a:p>
+                  </a:txBody>
+                  <a:tcPr/>
+                </a:tc>
+                <a:tc>
+                  <a:txBody>
+                    <a:bodyPr/>
+                    <a:lstStyle/>
+                    <a:p>
+                      <a:pPr algn="ctr"/>
+                      <a:r>
+                        <a:rPr lang="es-ES" dirty="0"/>
+                        <a:t>0,88 %</a:t>
+                      </a:r>
+                    </a:p>
+                  </a:txBody>
+                  <a:tcPr/>
+                </a:tc>
+                <a:tc>
+                  <a:txBody>
+                    <a:bodyPr/>
+                    <a:lstStyle/>
+                    <a:p>
+                      <a:pPr algn="ctr"/>
+                      <a:r>
+                        <a:rPr lang="es-ES" b="1" dirty="0">
+                          <a:solidFill>
+                            <a:srgbClr val="FF0000"/>
+                          </a:solidFill>
+                        </a:rPr>
+                        <a:t>Yes</a:t>
+                      </a:r>
+                    </a:p>
+                  </a:txBody>
+                  <a:tcPr/>
+                </a:tc>
+                <a:extLst>
+                  <a:ext uri="{0D108BD9-81ED-4DB2-BD59-A6C34878D82A}">
+                    <a16:rowId xmlns:a16="http://schemas.microsoft.com/office/drawing/2014/main" val="3144349528"/>
+                  </a:ext>
+                </a:extLst>
+              </a:tr>
+              <a:tr h="370840">
+                <a:tc>
+                  <a:txBody>
+                    <a:bodyPr/>
+                    <a:lstStyle/>
+                    <a:p>
+                      <a:pPr algn="ctr"/>
+                      <a:r>
+                        <a:rPr lang="en-GB" dirty="0"/>
+                        <a:t>Robert</a:t>
+                      </a:r>
+                    </a:p>
+                  </a:txBody>
+                  <a:tcPr/>
+                </a:tc>
+                <a:tc>
+                  <a:txBody>
+                    <a:bodyPr/>
+                    <a:lstStyle/>
+                    <a:p>
+                      <a:pPr marL="0" marR="0" lvl="0" indent="0" algn="ctr" defTabSz="914400" rtl="0" eaLnBrk="1" fontAlgn="auto" latinLnBrk="0" hangingPunct="1">
+                        <a:lnSpc>
+                          <a:spcPct val="100000"/>
+                        </a:lnSpc>
+                        <a:spcBef>
+                          <a:spcPts val="0"/>
+                        </a:spcBef>
+                        <a:spcAft>
+                          <a:spcPts val="0"/>
+                        </a:spcAft>
+                        <a:buClrTx/>
+                        <a:buSzTx/>
+                        <a:buFontTx/>
+                        <a:buNone/>
+                        <a:tabLst/>
+                        <a:defRPr/>
+                      </a:pPr>
+                      <a:r>
+                        <a:rPr lang="es-ES" dirty="0"/>
+                        <a:t>USA</a:t>
+                      </a:r>
+                      <a:endParaRPr lang="en-GB" dirty="0"/>
+                    </a:p>
+                  </a:txBody>
+                  <a:tcPr/>
+                </a:tc>
+                <a:tc>
+                  <a:txBody>
+                    <a:bodyPr/>
+                    <a:lstStyle/>
+                    <a:p>
+                      <a:pPr algn="ctr"/>
+                      <a:r>
+                        <a:rPr lang="es-ES" dirty="0"/>
+                        <a:t>2,94</a:t>
+                      </a:r>
+                      <a:endParaRPr lang="en-GB" dirty="0"/>
+                    </a:p>
+                  </a:txBody>
+                  <a:tcPr/>
+                </a:tc>
+                <a:tc>
+                  <a:txBody>
+                    <a:bodyPr/>
+                    <a:lstStyle/>
+                    <a:p>
+                      <a:pPr algn="ctr"/>
+                      <a:r>
+                        <a:rPr lang="es-ES" dirty="0"/>
+                        <a:t>1,4 %</a:t>
+                      </a:r>
+                      <a:endParaRPr lang="en-GB" dirty="0"/>
+                    </a:p>
+                  </a:txBody>
+                  <a:tcPr/>
+                </a:tc>
+                <a:tc>
+                  <a:txBody>
+                    <a:bodyPr/>
+                    <a:lstStyle/>
+                    <a:p>
+                      <a:pPr algn="ctr"/>
+                      <a:r>
+                        <a:rPr lang="es-ES" b="1" dirty="0">
+                          <a:solidFill>
+                            <a:srgbClr val="FF0000"/>
+                          </a:solidFill>
+                        </a:rPr>
+                        <a:t>Yes</a:t>
+                      </a:r>
+                      <a:endParaRPr lang="en-GB" b="1" dirty="0">
+                        <a:solidFill>
+                          <a:srgbClr val="FF0000"/>
+                        </a:solidFill>
+                      </a:endParaRPr>
+                    </a:p>
+                  </a:txBody>
+                  <a:tcPr/>
+                </a:tc>
+                <a:extLst>
+                  <a:ext uri="{0D108BD9-81ED-4DB2-BD59-A6C34878D82A}">
+                    <a16:rowId xmlns:a16="http://schemas.microsoft.com/office/drawing/2014/main" val="3004275794"/>
+                  </a:ext>
+                </a:extLst>
+              </a:tr>
+              <a:tr h="370840">
+                <a:tc>
+                  <a:txBody>
+                    <a:bodyPr/>
+                    <a:lstStyle/>
+                    <a:p>
+                      <a:pPr algn="ctr"/>
+                      <a:r>
+                        <a:rPr lang="en-GB" dirty="0"/>
+                        <a:t>James</a:t>
+                      </a:r>
+                    </a:p>
+                  </a:txBody>
+                  <a:tcPr/>
+                </a:tc>
+                <a:tc>
+                  <a:txBody>
+                    <a:bodyPr/>
+                    <a:lstStyle/>
+                    <a:p>
+                      <a:pPr algn="ctr"/>
+                      <a:r>
+                        <a:rPr lang="en-GB"/>
+                        <a:t>USA</a:t>
+                      </a:r>
+                      <a:endParaRPr lang="en-GB" dirty="0"/>
+                    </a:p>
+                  </a:txBody>
+                  <a:tcPr/>
+                </a:tc>
+                <a:tc>
+                  <a:txBody>
+                    <a:bodyPr/>
+                    <a:lstStyle/>
+                    <a:p>
+                      <a:pPr algn="ctr"/>
+                      <a:r>
+                        <a:rPr lang="es-ES" dirty="0"/>
+                        <a:t>1,94</a:t>
+                      </a:r>
+                      <a:endParaRPr lang="en-GB" dirty="0"/>
+                    </a:p>
+                  </a:txBody>
+                  <a:tcPr/>
+                </a:tc>
+                <a:tc>
+                  <a:txBody>
+                    <a:bodyPr/>
+                    <a:lstStyle/>
+                    <a:p>
+                      <a:pPr algn="ctr"/>
+                      <a:r>
+                        <a:rPr lang="es-ES" dirty="0"/>
+                        <a:t>1,6 %</a:t>
+                      </a:r>
+                      <a:endParaRPr lang="en-GB" dirty="0"/>
+                    </a:p>
+                  </a:txBody>
+                  <a:tcPr/>
+                </a:tc>
+                <a:tc>
+                  <a:txBody>
+                    <a:bodyPr/>
+                    <a:lstStyle/>
+                    <a:p>
+                      <a:pPr algn="ctr"/>
+                      <a:r>
+                        <a:rPr lang="es-ES" b="1" dirty="0">
+                          <a:solidFill>
+                            <a:srgbClr val="FF0000"/>
+                          </a:solidFill>
+                        </a:rPr>
+                        <a:t>Yes</a:t>
+                      </a:r>
+                      <a:endParaRPr lang="en-GB" b="1" dirty="0">
+                        <a:solidFill>
+                          <a:srgbClr val="FF0000"/>
+                        </a:solidFill>
+                      </a:endParaRPr>
+                    </a:p>
+                  </a:txBody>
+                  <a:tcPr/>
+                </a:tc>
+                <a:extLst>
+                  <a:ext uri="{0D108BD9-81ED-4DB2-BD59-A6C34878D82A}">
+                    <a16:rowId xmlns:a16="http://schemas.microsoft.com/office/drawing/2014/main" val="1693805375"/>
+                  </a:ext>
+                </a:extLst>
+              </a:tr>
+              <a:tr h="370840">
+                <a:tc>
+                  <a:txBody>
+                    <a:bodyPr/>
+                    <a:lstStyle/>
+                    <a:p>
+                      <a:pPr algn="ctr"/>
+                      <a:r>
+                        <a:rPr lang="en-GB" dirty="0"/>
+                        <a:t>David</a:t>
+                      </a:r>
+                    </a:p>
+                  </a:txBody>
+                  <a:tcPr/>
+                </a:tc>
+                <a:tc>
+                  <a:txBody>
+                    <a:bodyPr/>
+                    <a:lstStyle/>
+                    <a:p>
+                      <a:pPr algn="ctr"/>
+                      <a:r>
+                        <a:rPr lang="en-GB" dirty="0"/>
+                        <a:t>USA</a:t>
+                      </a:r>
+                    </a:p>
+                  </a:txBody>
+                  <a:tcPr/>
+                </a:tc>
+                <a:tc>
+                  <a:txBody>
+                    <a:bodyPr/>
+                    <a:lstStyle/>
+                    <a:p>
+                      <a:pPr algn="ctr"/>
+                      <a:r>
+                        <a:rPr lang="es-ES" dirty="0"/>
+                        <a:t>1,56</a:t>
+                      </a:r>
+                      <a:endParaRPr lang="en-GB" dirty="0"/>
+                    </a:p>
+                  </a:txBody>
+                  <a:tcPr/>
+                </a:tc>
+                <a:tc>
+                  <a:txBody>
+                    <a:bodyPr/>
+                    <a:lstStyle/>
+                    <a:p>
+                      <a:pPr algn="ctr"/>
+                      <a:r>
+                        <a:rPr lang="es-ES" dirty="0"/>
+                        <a:t>1,5 %</a:t>
+                      </a:r>
+                      <a:endParaRPr lang="en-GB" dirty="0"/>
+                    </a:p>
+                  </a:txBody>
+                  <a:tcPr/>
+                </a:tc>
+                <a:tc>
+                  <a:txBody>
+                    <a:bodyPr/>
+                    <a:lstStyle/>
+                    <a:p>
+                      <a:pPr algn="ctr"/>
+                      <a:r>
+                        <a:rPr lang="es-ES" b="1" dirty="0">
+                          <a:solidFill>
+                            <a:schemeClr val="accent2"/>
+                          </a:solidFill>
+                        </a:rPr>
+                        <a:t>In </a:t>
+                      </a:r>
+                      <a:r>
+                        <a:rPr lang="es-ES" b="1" dirty="0" err="1">
+                          <a:solidFill>
+                            <a:schemeClr val="accent2"/>
+                          </a:solidFill>
+                        </a:rPr>
+                        <a:t>the</a:t>
+                      </a:r>
+                      <a:r>
+                        <a:rPr lang="es-ES" b="1" dirty="0">
+                          <a:solidFill>
+                            <a:schemeClr val="accent2"/>
+                          </a:solidFill>
+                        </a:rPr>
+                        <a:t> </a:t>
+                      </a:r>
+                      <a:r>
+                        <a:rPr lang="es-ES" b="1" dirty="0" err="1">
+                          <a:solidFill>
+                            <a:schemeClr val="accent2"/>
+                          </a:solidFill>
+                        </a:rPr>
+                        <a:t>borderline</a:t>
+                      </a:r>
+                      <a:endParaRPr lang="en-GB" b="1" dirty="0">
+                        <a:solidFill>
+                          <a:schemeClr val="accent2"/>
+                        </a:solidFill>
+                      </a:endParaRPr>
+                    </a:p>
+                  </a:txBody>
+                  <a:tcPr/>
+                </a:tc>
+                <a:extLst>
+                  <a:ext uri="{0D108BD9-81ED-4DB2-BD59-A6C34878D82A}">
+                    <a16:rowId xmlns:a16="http://schemas.microsoft.com/office/drawing/2014/main" val="3939190740"/>
+                  </a:ext>
+                </a:extLst>
+              </a:tr>
+            </a:tbl>
+          </a:graphicData>
+        </a:graphic>
+      </p:graphicFrame>
+      <p:sp>
+        <p:nvSpPr>
+          <p:cNvPr id="7" name="TextBox 6">
+            <a:extLst>
+              <a:ext uri="{FF2B5EF4-FFF2-40B4-BE49-F238E27FC236}">
+                <a16:creationId xmlns:a16="http://schemas.microsoft.com/office/drawing/2014/main" id="{B15B4E60-BD23-90B8-3672-131434FC2394}"/>
+              </a:ext>
+            </a:extLst>
+          </p:cNvPr>
+          <p:cNvSpPr txBox="1"/>
+          <p:nvPr/>
+        </p:nvSpPr>
+        <p:spPr>
+          <a:xfrm>
+            <a:off x="1642187" y="5887616"/>
+            <a:ext cx="9577873" cy="830997"/>
+          </a:xfrm>
+          <a:prstGeom prst="rect">
+            <a:avLst/>
+          </a:prstGeom>
+          <a:noFill/>
+        </p:spPr>
+        <p:txBody>
+          <a:bodyPr wrap="square" rtlCol="0">
+            <a:spAutoFit/>
+          </a:bodyPr>
+          <a:lstStyle/>
+          <a:p>
+            <a:r>
+              <a:rPr lang="es-ES" sz="2400" b="1" dirty="0" err="1"/>
+              <a:t>Name</a:t>
+            </a:r>
+            <a:r>
+              <a:rPr lang="es-ES" sz="2400" b="1" dirty="0"/>
+              <a:t> </a:t>
+            </a:r>
+            <a:r>
+              <a:rPr lang="es-ES" sz="2400" b="1" dirty="0" err="1"/>
+              <a:t>your</a:t>
+            </a:r>
+            <a:r>
+              <a:rPr lang="es-ES" sz="2400" b="1" dirty="0"/>
+              <a:t> son </a:t>
+            </a:r>
+            <a:r>
+              <a:rPr lang="es-ES" sz="2400" b="1" dirty="0" err="1"/>
+              <a:t>with</a:t>
+            </a:r>
+            <a:r>
+              <a:rPr lang="es-ES" sz="2400" b="1" dirty="0"/>
+              <a:t> a </a:t>
+            </a:r>
+            <a:r>
+              <a:rPr lang="es-ES" sz="2400" b="1" dirty="0" err="1"/>
+              <a:t>very</a:t>
+            </a:r>
+            <a:r>
+              <a:rPr lang="es-ES" sz="2400" b="1" dirty="0"/>
+              <a:t> popular </a:t>
+            </a:r>
+            <a:r>
+              <a:rPr lang="es-ES" sz="2400" b="1" dirty="0" err="1"/>
+              <a:t>name</a:t>
+            </a:r>
+            <a:r>
+              <a:rPr lang="es-ES" sz="2400" b="1" dirty="0"/>
+              <a:t> </a:t>
+            </a:r>
+            <a:r>
+              <a:rPr lang="es-ES" sz="2400" b="1" dirty="0" err="1"/>
+              <a:t>to</a:t>
+            </a:r>
+            <a:r>
+              <a:rPr lang="es-ES" sz="2400" b="1" dirty="0"/>
+              <a:t> </a:t>
+            </a:r>
+            <a:r>
+              <a:rPr lang="es-ES" sz="2400" b="1" dirty="0" err="1"/>
+              <a:t>minimize</a:t>
+            </a:r>
+            <a:r>
+              <a:rPr lang="es-ES" sz="2400" b="1" dirty="0"/>
+              <a:t> he/</a:t>
+            </a:r>
+            <a:r>
+              <a:rPr lang="es-ES" sz="2400" b="1" dirty="0" err="1"/>
+              <a:t>she</a:t>
+            </a:r>
+            <a:r>
+              <a:rPr lang="es-ES" sz="2400" b="1" dirty="0"/>
+              <a:t> </a:t>
+            </a:r>
+            <a:r>
+              <a:rPr lang="es-ES" sz="2400" b="1" dirty="0" err="1"/>
+              <a:t>shark’s</a:t>
+            </a:r>
+            <a:r>
+              <a:rPr lang="es-ES" sz="2400" b="1" dirty="0"/>
+              <a:t>  </a:t>
+            </a:r>
+            <a:r>
+              <a:rPr lang="es-ES" sz="2400" b="1" dirty="0" err="1"/>
+              <a:t>attack</a:t>
+            </a:r>
+            <a:r>
+              <a:rPr lang="es-ES" sz="2400" b="1" dirty="0"/>
+              <a:t> </a:t>
+            </a:r>
+            <a:r>
+              <a:rPr lang="es-ES" sz="2400" b="1" dirty="0" err="1"/>
+              <a:t>probability</a:t>
+            </a:r>
+            <a:endParaRPr lang="en-GB" sz="2400" b="1" dirty="0"/>
           </a:p>
         </p:txBody>
       </p:sp>
@@ -4350,7 +6429,7 @@
 </p:sld>
 </file>
 
-<file path=ppt/slides/slide3.xml><?xml version="1.0" encoding="utf-8"?>
+<file path=ppt/slides/slide6.xml><?xml version="1.0" encoding="utf-8"?>
 <p:sld xmlns:a="http://schemas.openxmlformats.org/drawingml/2006/main" xmlns:r="http://schemas.openxmlformats.org/officeDocument/2006/relationships" xmlns:p="http://schemas.openxmlformats.org/presentationml/2006/main">
   <p:cSld>
     <p:spTree>
@@ -4369,93 +6448,75 @@
       </p:grpSpPr>
       <p:sp>
         <p:nvSpPr>
-          <p:cNvPr id="3" name="Content Placeholder 2">
-            <a:extLst>
-              <a:ext uri="{FF2B5EF4-FFF2-40B4-BE49-F238E27FC236}">
-                <a16:creationId xmlns:a16="http://schemas.microsoft.com/office/drawing/2014/main" id="{E05C6E16-9518-B3F1-1D00-B0583D720145}"/>
-              </a:ext>
-            </a:extLst>
-          </p:cNvPr>
-          <p:cNvSpPr>
-            <a:spLocks noGrp="1"/>
-          </p:cNvSpPr>
-          <p:nvPr>
-            <p:ph idx="1"/>
+          <p:cNvPr id="2" name="Title 1">
+            <a:extLst>
+              <a:ext uri="{FF2B5EF4-FFF2-40B4-BE49-F238E27FC236}">
+                <a16:creationId xmlns:a16="http://schemas.microsoft.com/office/drawing/2014/main" id="{E36B099B-C0AE-F45D-77BD-2C89894FE2AC}"/>
+              </a:ext>
+            </a:extLst>
+          </p:cNvPr>
+          <p:cNvSpPr>
+            <a:spLocks noGrp="1"/>
+          </p:cNvSpPr>
+          <p:nvPr>
+            <p:ph type="title"/>
           </p:nvPr>
         </p:nvSpPr>
         <p:spPr>
           <a:xfrm>
-            <a:off x="838200" y="709127"/>
-            <a:ext cx="10515600" cy="5467836"/>
+            <a:off x="838200" y="499887"/>
+            <a:ext cx="9854682" cy="871713"/>
           </a:xfrm>
         </p:spPr>
         <p:txBody>
           <a:bodyPr/>
           <a:lstStyle/>
           <a:p>
-            <a:pPr marL="0" indent="0">
-              <a:buNone/>
-            </a:pPr>
+            <a:r>
+              <a:rPr lang="es-ES" b="1" dirty="0" err="1"/>
+              <a:t>Let’s</a:t>
+            </a:r>
             <a:r>
               <a:rPr lang="es-ES" b="1" dirty="0"/>
-              <a:t>QUESTIONS TO BE ANSWERED:</a:t>
-            </a:r>
-          </a:p>
-          <a:p>
-            <a:pPr marL="0" indent="0">
-              <a:buNone/>
-            </a:pPr>
-            <a:endParaRPr lang="es-ES" b="1" dirty="0"/>
-          </a:p>
-          <a:p>
-            <a:pPr marL="514350" indent="-514350">
-              <a:buFont typeface="+mj-lt"/>
-              <a:buAutoNum type="arabicPeriod"/>
-            </a:pPr>
-            <a:r>
-              <a:rPr lang="en-GB" b="1" dirty="0"/>
-              <a:t>ASFA</a:t>
-            </a:r>
-          </a:p>
-          <a:p>
-            <a:pPr marL="514350" indent="-514350">
-              <a:buFont typeface="+mj-lt"/>
-              <a:buAutoNum type="arabicPeriod"/>
-            </a:pPr>
-            <a:r>
-              <a:rPr lang="en-GB" b="1" dirty="0"/>
-              <a:t>ASFA</a:t>
-            </a:r>
-          </a:p>
-          <a:p>
-            <a:pPr marL="514350" indent="-514350">
-              <a:buFont typeface="+mj-lt"/>
-              <a:buAutoNum type="arabicPeriod"/>
-            </a:pPr>
-            <a:r>
-              <a:rPr lang="en-GB" b="1" dirty="0"/>
-              <a:t>ACTIVITY THAT THE PERSON WAS DOING</a:t>
-            </a:r>
-          </a:p>
-          <a:p>
-            <a:pPr marL="971550" lvl="1" indent="-514350">
-              <a:buFont typeface="+mj-lt"/>
-              <a:buAutoNum type="arabicPeriod"/>
-            </a:pPr>
-            <a:r>
-              <a:rPr lang="en-GB" b="1" dirty="0"/>
-              <a:t>Activity with the highest attack rate</a:t>
-            </a:r>
-          </a:p>
-          <a:p>
-            <a:pPr marL="971550" lvl="1" indent="-514350">
-              <a:buFont typeface="+mj-lt"/>
-              <a:buAutoNum type="arabicPeriod"/>
-            </a:pPr>
-            <a:r>
-              <a:rPr lang="en-GB" b="1" dirty="0"/>
-              <a:t>Activity with the highest mortality</a:t>
-            </a:r>
+              <a:t> </a:t>
+            </a:r>
+            <a:r>
+              <a:rPr lang="es-ES" b="1" dirty="0" err="1"/>
+              <a:t>see</a:t>
+            </a:r>
+            <a:r>
+              <a:rPr lang="es-ES" b="1" dirty="0"/>
+              <a:t> </a:t>
+            </a:r>
+            <a:r>
+              <a:rPr lang="es-ES" b="1" dirty="0" err="1"/>
+              <a:t>who</a:t>
+            </a:r>
+            <a:r>
+              <a:rPr lang="es-ES" b="1" dirty="0"/>
+              <a:t> </a:t>
+            </a:r>
+            <a:r>
+              <a:rPr lang="es-ES" b="1" dirty="0" err="1"/>
+              <a:t>workded</a:t>
+            </a:r>
+            <a:r>
+              <a:rPr lang="es-ES" b="1" dirty="0"/>
+              <a:t> </a:t>
+            </a:r>
+            <a:r>
+              <a:rPr lang="es-ES" b="1" dirty="0" err="1"/>
+              <a:t>the</a:t>
+            </a:r>
+            <a:r>
+              <a:rPr lang="es-ES" b="1" dirty="0"/>
+              <a:t> </a:t>
+            </a:r>
+            <a:r>
+              <a:rPr lang="es-ES" b="1" dirty="0" err="1"/>
+              <a:t>most</a:t>
+            </a:r>
+            <a:endParaRPr lang="en-GB" dirty="0"/>
           </a:p>
         </p:txBody>
       </p:sp>
@@ -4464,7 +6525,7 @@
           <p:cNvPr id="4" name="Slide Number Placeholder 3">
             <a:extLst>
               <a:ext uri="{FF2B5EF4-FFF2-40B4-BE49-F238E27FC236}">
-                <a16:creationId xmlns:a16="http://schemas.microsoft.com/office/drawing/2014/main" id="{83487598-FC16-4B46-247D-BA85E2D378B7}"/>
+                <a16:creationId xmlns:a16="http://schemas.microsoft.com/office/drawing/2014/main" id="{64F7953F-B2EA-F58E-5869-0DC6832D69F6}"/>
               </a:ext>
             </a:extLst>
           </p:cNvPr>
@@ -4482,148 +6543,182 @@
           <a:p>
             <a:fld id="{71D42481-034A-49D2-AFBC-BA1781263327}" type="slidenum">
               <a:rPr lang="en-GB" smtClean="0"/>
-              <a:t>3</a:t>
+              <a:t>6</a:t>
             </a:fld>
             <a:endParaRPr lang="en-GB"/>
           </a:p>
         </p:txBody>
       </p:sp>
-      <p:sp>
-        <p:nvSpPr>
-          <p:cNvPr id="5" name="Slide Number Placeholder 7">
-            <a:extLst>
-              <a:ext uri="{FF2B5EF4-FFF2-40B4-BE49-F238E27FC236}">
-                <a16:creationId xmlns:a16="http://schemas.microsoft.com/office/drawing/2014/main" id="{54B185B4-8608-F8DA-ABEF-5247EE0308D3}"/>
-              </a:ext>
-            </a:extLst>
-          </p:cNvPr>
-          <p:cNvSpPr txBox="1">
-            <a:spLocks/>
-          </p:cNvSpPr>
+      <p:pic>
+        <p:nvPicPr>
+          <p:cNvPr id="10" name="Picture 9">
+            <a:extLst>
+              <a:ext uri="{FF2B5EF4-FFF2-40B4-BE49-F238E27FC236}">
+                <a16:creationId xmlns:a16="http://schemas.microsoft.com/office/drawing/2014/main" id="{519E56F8-E4E8-7C24-3C38-E9E4649EAF68}"/>
+              </a:ext>
+            </a:extLst>
+          </p:cNvPr>
+          <p:cNvPicPr>
+            <a:picLocks noChangeAspect="1"/>
+          </p:cNvPicPr>
           <p:nvPr/>
-        </p:nvSpPr>
+        </p:nvPicPr>
+        <p:blipFill>
+          <a:blip r:embed="rId2"/>
+          <a:stretch>
+            <a:fillRect/>
+          </a:stretch>
+        </p:blipFill>
         <p:spPr>
           <a:xfrm>
-            <a:off x="10963468" y="6356350"/>
-            <a:ext cx="390331" cy="365125"/>
+            <a:off x="1489811" y="2000639"/>
+            <a:ext cx="5119761" cy="4043265"/>
           </a:xfrm>
           <a:prstGeom prst="rect">
             <a:avLst/>
           </a:prstGeom>
         </p:spPr>
-        <p:txBody>
-          <a:bodyPr vert="horz" lIns="91440" tIns="45720" rIns="91440" bIns="45720" rtlCol="0" anchor="ctr"/>
-          <a:lstStyle>
-            <a:defPPr>
-              <a:defRPr lang="en-US"/>
-            </a:defPPr>
-            <a:lvl1pPr marL="0" algn="r" defTabSz="914400" rtl="0" eaLnBrk="1" latinLnBrk="0" hangingPunct="1">
-              <a:defRPr sz="1200" kern="1200">
+      </p:pic>
+      <p:sp>
+        <p:nvSpPr>
+          <p:cNvPr id="11" name="TextBox 10">
+            <a:extLst>
+              <a:ext uri="{FF2B5EF4-FFF2-40B4-BE49-F238E27FC236}">
+                <a16:creationId xmlns:a16="http://schemas.microsoft.com/office/drawing/2014/main" id="{CA9CBDFE-AF0D-C40E-6109-34D0E5A3C219}"/>
+              </a:ext>
+            </a:extLst>
+          </p:cNvPr>
+          <p:cNvSpPr txBox="1"/>
+          <p:nvPr/>
+        </p:nvSpPr>
+        <p:spPr>
+          <a:xfrm>
+            <a:off x="8815782" y="3393896"/>
+            <a:ext cx="3187185" cy="830997"/>
+          </a:xfrm>
+          <a:prstGeom prst="rect">
+            <a:avLst/>
+          </a:prstGeom>
+          <a:noFill/>
+        </p:spPr>
+        <p:txBody>
+          <a:bodyPr wrap="square" rtlCol="0">
+            <a:spAutoFit/>
+          </a:bodyPr>
+          <a:lstStyle/>
+          <a:p>
+            <a:r>
+              <a:rPr lang="es-ES" sz="4800" dirty="0"/>
+              <a:t>/ 20 </a:t>
+            </a:r>
+            <a:r>
+              <a:rPr lang="es-ES" sz="4800" dirty="0" err="1"/>
+              <a:t>years</a:t>
+            </a:r>
+            <a:endParaRPr lang="en-GB" sz="4800" dirty="0"/>
+          </a:p>
+        </p:txBody>
+      </p:sp>
+      <p:sp>
+        <p:nvSpPr>
+          <p:cNvPr id="12" name="Arrow: Right 11">
+            <a:extLst>
+              <a:ext uri="{FF2B5EF4-FFF2-40B4-BE49-F238E27FC236}">
+                <a16:creationId xmlns:a16="http://schemas.microsoft.com/office/drawing/2014/main" id="{93497AD3-7EB2-C7DF-9318-D25481548D1F}"/>
+              </a:ext>
+            </a:extLst>
+          </p:cNvPr>
+          <p:cNvSpPr/>
+          <p:nvPr/>
+        </p:nvSpPr>
+        <p:spPr>
+          <a:xfrm>
+            <a:off x="6708420" y="3679309"/>
+            <a:ext cx="762000" cy="514350"/>
+          </a:xfrm>
+          <a:prstGeom prst="rightArrow">
+            <a:avLst/>
+          </a:prstGeom>
+          <a:solidFill>
+            <a:srgbClr val="FF0000"/>
+          </a:solidFill>
+        </p:spPr>
+        <p:style>
+          <a:lnRef idx="2">
+            <a:schemeClr val="accent1">
+              <a:shade val="15000"/>
+            </a:schemeClr>
+          </a:lnRef>
+          <a:fillRef idx="1">
+            <a:schemeClr val="accent1"/>
+          </a:fillRef>
+          <a:effectRef idx="0">
+            <a:schemeClr val="accent1"/>
+          </a:effectRef>
+          <a:fontRef idx="minor">
+            <a:schemeClr val="lt1"/>
+          </a:fontRef>
+        </p:style>
+        <p:txBody>
+          <a:bodyPr rtlCol="0" anchor="ctr"/>
+          <a:lstStyle/>
+          <a:p>
+            <a:pPr algn="ctr"/>
+            <a:endParaRPr lang="en-GB" dirty="0"/>
+          </a:p>
+        </p:txBody>
+      </p:sp>
+      <p:pic>
+        <p:nvPicPr>
+          <p:cNvPr id="1026" name="Picture 2" descr="Medalla de oro del ganador con cintas rojas aisladas. | Vector Premium">
+            <a:extLst>
+              <a:ext uri="{FF2B5EF4-FFF2-40B4-BE49-F238E27FC236}">
+                <a16:creationId xmlns:a16="http://schemas.microsoft.com/office/drawing/2014/main" id="{73A9D7FE-FC39-9587-91F8-A2E450A6CEE8}"/>
+              </a:ext>
+            </a:extLst>
+          </p:cNvPr>
+          <p:cNvPicPr>
+            <a:picLocks noChangeAspect="1" noChangeArrowheads="1"/>
+          </p:cNvPicPr>
+          <p:nvPr/>
+        </p:nvPicPr>
+        <p:blipFill>
+          <a:blip r:embed="rId3">
+            <a:extLst>
+              <a:ext uri="{28A0092B-C50C-407E-A947-70E740481C1C}">
+                <a14:useLocalDpi xmlns:a14="http://schemas.microsoft.com/office/drawing/2010/main" val="0"/>
+              </a:ext>
+            </a:extLst>
+          </a:blip>
+          <a:srcRect/>
+          <a:stretch>
+            <a:fillRect/>
+          </a:stretch>
+        </p:blipFill>
+        <p:spPr bwMode="auto">
+          <a:xfrm>
+            <a:off x="7613540" y="3429000"/>
+            <a:ext cx="1059122" cy="1059122"/>
+          </a:xfrm>
+          <a:prstGeom prst="rect">
+            <a:avLst/>
+          </a:prstGeom>
+          <a:noFill/>
+          <a:extLst>
+            <a:ext uri="{909E8E84-426E-40DD-AFC4-6F175D3DCCD1}">
+              <a14:hiddenFill xmlns:a14="http://schemas.microsoft.com/office/drawing/2010/main">
                 <a:solidFill>
-                  <a:schemeClr val="tx1">
-                    <a:tint val="75000"/>
-                  </a:schemeClr>
+                  <a:srgbClr val="FFFFFF"/>
                 </a:solidFill>
-                <a:latin typeface="+mn-lt"/>
-                <a:ea typeface="+mn-ea"/>
-                <a:cs typeface="+mn-cs"/>
-              </a:defRPr>
-            </a:lvl1pPr>
-            <a:lvl2pPr marL="457200" algn="l" defTabSz="914400" rtl="0" eaLnBrk="1" latinLnBrk="0" hangingPunct="1">
-              <a:defRPr sz="1800" kern="1200">
-                <a:solidFill>
-                  <a:schemeClr val="tx1"/>
-                </a:solidFill>
-                <a:latin typeface="+mn-lt"/>
-                <a:ea typeface="+mn-ea"/>
-                <a:cs typeface="+mn-cs"/>
-              </a:defRPr>
-            </a:lvl2pPr>
-            <a:lvl3pPr marL="914400" algn="l" defTabSz="914400" rtl="0" eaLnBrk="1" latinLnBrk="0" hangingPunct="1">
-              <a:defRPr sz="1800" kern="1200">
-                <a:solidFill>
-                  <a:schemeClr val="tx1"/>
-                </a:solidFill>
-                <a:latin typeface="+mn-lt"/>
-                <a:ea typeface="+mn-ea"/>
-                <a:cs typeface="+mn-cs"/>
-              </a:defRPr>
-            </a:lvl3pPr>
-            <a:lvl4pPr marL="1371600" algn="l" defTabSz="914400" rtl="0" eaLnBrk="1" latinLnBrk="0" hangingPunct="1">
-              <a:defRPr sz="1800" kern="1200">
-                <a:solidFill>
-                  <a:schemeClr val="tx1"/>
-                </a:solidFill>
-                <a:latin typeface="+mn-lt"/>
-                <a:ea typeface="+mn-ea"/>
-                <a:cs typeface="+mn-cs"/>
-              </a:defRPr>
-            </a:lvl4pPr>
-            <a:lvl5pPr marL="1828800" algn="l" defTabSz="914400" rtl="0" eaLnBrk="1" latinLnBrk="0" hangingPunct="1">
-              <a:defRPr sz="1800" kern="1200">
-                <a:solidFill>
-                  <a:schemeClr val="tx1"/>
-                </a:solidFill>
-                <a:latin typeface="+mn-lt"/>
-                <a:ea typeface="+mn-ea"/>
-                <a:cs typeface="+mn-cs"/>
-              </a:defRPr>
-            </a:lvl5pPr>
-            <a:lvl6pPr marL="2286000" algn="l" defTabSz="914400" rtl="0" eaLnBrk="1" latinLnBrk="0" hangingPunct="1">
-              <a:defRPr sz="1800" kern="1200">
-                <a:solidFill>
-                  <a:schemeClr val="tx1"/>
-                </a:solidFill>
-                <a:latin typeface="+mn-lt"/>
-                <a:ea typeface="+mn-ea"/>
-                <a:cs typeface="+mn-cs"/>
-              </a:defRPr>
-            </a:lvl6pPr>
-            <a:lvl7pPr marL="2743200" algn="l" defTabSz="914400" rtl="0" eaLnBrk="1" latinLnBrk="0" hangingPunct="1">
-              <a:defRPr sz="1800" kern="1200">
-                <a:solidFill>
-                  <a:schemeClr val="tx1"/>
-                </a:solidFill>
-                <a:latin typeface="+mn-lt"/>
-                <a:ea typeface="+mn-ea"/>
-                <a:cs typeface="+mn-cs"/>
-              </a:defRPr>
-            </a:lvl7pPr>
-            <a:lvl8pPr marL="3200400" algn="l" defTabSz="914400" rtl="0" eaLnBrk="1" latinLnBrk="0" hangingPunct="1">
-              <a:defRPr sz="1800" kern="1200">
-                <a:solidFill>
-                  <a:schemeClr val="tx1"/>
-                </a:solidFill>
-                <a:latin typeface="+mn-lt"/>
-                <a:ea typeface="+mn-ea"/>
-                <a:cs typeface="+mn-cs"/>
-              </a:defRPr>
-            </a:lvl8pPr>
-            <a:lvl9pPr marL="3657600" algn="l" defTabSz="914400" rtl="0" eaLnBrk="1" latinLnBrk="0" hangingPunct="1">
-              <a:defRPr sz="1800" kern="1200">
-                <a:solidFill>
-                  <a:schemeClr val="tx1"/>
-                </a:solidFill>
-                <a:latin typeface="+mn-lt"/>
-                <a:ea typeface="+mn-ea"/>
-                <a:cs typeface="+mn-cs"/>
-              </a:defRPr>
-            </a:lvl9pPr>
-          </a:lstStyle>
-          <a:p>
-            <a:fld id="{71D42481-034A-49D2-AFBC-BA1781263327}" type="slidenum">
-              <a:rPr lang="en-GB" smtClean="0"/>
-              <a:pPr/>
-              <a:t>3</a:t>
-            </a:fld>
-            <a:endParaRPr lang="en-GB" dirty="0"/>
-          </a:p>
-        </p:txBody>
-      </p:sp>
+              </a14:hiddenFill>
+            </a:ext>
+          </a:extLst>
+        </p:spPr>
+      </p:pic>
     </p:spTree>
     <p:extLst>
       <p:ext uri="{BB962C8B-B14F-4D97-AF65-F5344CB8AC3E}">
-        <p14:creationId xmlns:p14="http://schemas.microsoft.com/office/powerpoint/2010/main" val="2339553407"/>
+        <p14:creationId xmlns:p14="http://schemas.microsoft.com/office/powerpoint/2010/main" val="3873971877"/>
       </p:ext>
     </p:extLst>
   </p:cSld>
@@ -4633,7 +6728,7 @@
 </p:sld>
 </file>
 
-<file path=ppt/slides/slide4.xml><?xml version="1.0" encoding="utf-8"?>
+<file path=ppt/slides/slide7.xml><?xml version="1.0" encoding="utf-8"?>
 <p:sld xmlns:a="http://schemas.openxmlformats.org/drawingml/2006/main" xmlns:r="http://schemas.openxmlformats.org/officeDocument/2006/relationships" xmlns:p="http://schemas.openxmlformats.org/presentationml/2006/main">
   <p:cSld>
     <p:spTree>
@@ -4655,7 +6750,7 @@
           <p:cNvPr id="3" name="Content Placeholder 2">
             <a:extLst>
               <a:ext uri="{FF2B5EF4-FFF2-40B4-BE49-F238E27FC236}">
-                <a16:creationId xmlns:a16="http://schemas.microsoft.com/office/drawing/2014/main" id="{E05C6E16-9518-B3F1-1D00-B0583D720145}"/>
+                <a16:creationId xmlns:a16="http://schemas.microsoft.com/office/drawing/2014/main" id="{3A2D7019-49D4-15F2-5AF7-F09506BC7282}"/>
               </a:ext>
             </a:extLst>
           </p:cNvPr>
@@ -4668,21 +6763,118 @@
         </p:nvSpPr>
         <p:spPr>
           <a:xfrm>
-            <a:off x="632926" y="528638"/>
-            <a:ext cx="5257800" cy="531844"/>
+            <a:off x="838200" y="592445"/>
+            <a:ext cx="10515600" cy="5673110"/>
           </a:xfrm>
         </p:spPr>
         <p:txBody>
           <a:bodyPr/>
           <a:lstStyle/>
           <a:p>
-            <a:pPr marL="457200" lvl="1" indent="0">
+            <a:pPr marL="0" indent="0">
               <a:buNone/>
             </a:pPr>
             <a:r>
-              <a:rPr lang="en-GB" b="1" u="sng" dirty="0"/>
-              <a:t>Activity with the highest attack rate</a:t>
-            </a:r>
+              <a:rPr lang="es-ES" dirty="0"/>
+              <a:t>FROM 1960  UNTIL 1969                          FROM 1980  UNTIL 1999 </a:t>
+            </a:r>
+          </a:p>
+          <a:p>
+            <a:pPr marL="0" indent="0">
+              <a:buNone/>
+            </a:pPr>
+            <a:r>
+              <a:rPr lang="en-GB" dirty="0"/>
+              <a:t>M. Levine, GSAF  -   10 rep                          A. Gifford, GSAF -  8 rep</a:t>
+            </a:r>
+          </a:p>
+          <a:p>
+            <a:pPr marL="0" indent="0">
+              <a:buNone/>
+            </a:pPr>
+            <a:r>
+              <a:rPr lang="en-GB" sz="1600" dirty="0"/>
+              <a:t>Marie Levine 						Albert Andrew Gifford - Shark Research 	</a:t>
+            </a:r>
+          </a:p>
+          <a:p>
+            <a:pPr marL="0" indent="0">
+              <a:buNone/>
+            </a:pPr>
+            <a:r>
+              <a:rPr lang="en-GB" sz="1600" dirty="0"/>
+              <a:t>Head of the Shark Research Institute in Princeton             	               Institute  died in 2003</a:t>
+            </a:r>
+          </a:p>
+          <a:p>
+            <a:pPr marL="0" indent="0">
+              <a:buNone/>
+            </a:pPr>
+            <a:r>
+              <a:rPr lang="en-GB" sz="1600" dirty="0"/>
+              <a:t>			</a:t>
+            </a:r>
+            <a:endParaRPr lang="es-ES" sz="1600" dirty="0"/>
+          </a:p>
+          <a:p>
+            <a:pPr marL="0" indent="0">
+              <a:buNone/>
+            </a:pPr>
+            <a:endParaRPr lang="es-ES" dirty="0"/>
+          </a:p>
+          <a:p>
+            <a:pPr marL="0" indent="0">
+              <a:buNone/>
+            </a:pPr>
+            <a:endParaRPr lang="es-ES" dirty="0"/>
+          </a:p>
+          <a:p>
+            <a:pPr marL="0" indent="0">
+              <a:buNone/>
+            </a:pPr>
+            <a:r>
+              <a:rPr lang="es-ES" dirty="0"/>
+              <a:t>FROM 1960  UNTIL 1969 </a:t>
+            </a:r>
+          </a:p>
+          <a:p>
+            <a:pPr marL="0" indent="0">
+              <a:buNone/>
+            </a:pPr>
+            <a:r>
+              <a:rPr lang="en-GB" dirty="0"/>
+              <a:t>C. Creswell, GSAF  - 17rep </a:t>
+            </a:r>
+          </a:p>
+          <a:p>
+            <a:pPr marL="0" indent="0">
+              <a:buNone/>
+            </a:pPr>
+            <a:endParaRPr lang="es-ES" dirty="0"/>
+          </a:p>
+          <a:p>
+            <a:pPr marL="0" indent="0">
+              <a:buNone/>
+            </a:pPr>
+            <a:endParaRPr lang="es-ES" dirty="0"/>
+          </a:p>
+          <a:p>
+            <a:pPr marL="0" indent="0">
+              <a:buNone/>
+            </a:pPr>
+            <a:endParaRPr lang="es-ES" dirty="0"/>
+          </a:p>
+          <a:p>
+            <a:pPr marL="0" indent="0">
+              <a:buNone/>
+            </a:pPr>
+            <a:endParaRPr lang="en-GB" dirty="0"/>
+          </a:p>
+          <a:p>
+            <a:pPr marL="0" indent="0">
+              <a:buNone/>
+            </a:pPr>
+            <a:endParaRPr lang="en-GB" dirty="0"/>
           </a:p>
         </p:txBody>
       </p:sp>
@@ -4691,7 +6883,7 @@
           <p:cNvPr id="4" name="Slide Number Placeholder 3">
             <a:extLst>
               <a:ext uri="{FF2B5EF4-FFF2-40B4-BE49-F238E27FC236}">
-                <a16:creationId xmlns:a16="http://schemas.microsoft.com/office/drawing/2014/main" id="{83487598-FC16-4B46-247D-BA85E2D378B7}"/>
+                <a16:creationId xmlns:a16="http://schemas.microsoft.com/office/drawing/2014/main" id="{25B24004-B0FF-CE10-D327-ADD3C5E0C5E9}"/>
               </a:ext>
             </a:extLst>
           </p:cNvPr>
@@ -4709,350 +6901,18 @@
           <a:p>
             <a:fld id="{71D42481-034A-49D2-AFBC-BA1781263327}" type="slidenum">
               <a:rPr lang="en-GB" smtClean="0"/>
-              <a:t>4</a:t>
+              <a:t>7</a:t>
             </a:fld>
             <a:endParaRPr lang="en-GB"/>
           </a:p>
         </p:txBody>
       </p:sp>
-      <p:sp>
-        <p:nvSpPr>
-          <p:cNvPr id="5" name="Slide Number Placeholder 7">
-            <a:extLst>
-              <a:ext uri="{FF2B5EF4-FFF2-40B4-BE49-F238E27FC236}">
-                <a16:creationId xmlns:a16="http://schemas.microsoft.com/office/drawing/2014/main" id="{54B185B4-8608-F8DA-ABEF-5247EE0308D3}"/>
-              </a:ext>
-            </a:extLst>
-          </p:cNvPr>
-          <p:cNvSpPr txBox="1">
-            <a:spLocks/>
-          </p:cNvSpPr>
-          <p:nvPr/>
-        </p:nvSpPr>
-        <p:spPr>
-          <a:xfrm>
-            <a:off x="10963468" y="6356350"/>
-            <a:ext cx="390331" cy="365125"/>
-          </a:xfrm>
-          <a:prstGeom prst="rect">
-            <a:avLst/>
-          </a:prstGeom>
-        </p:spPr>
-        <p:txBody>
-          <a:bodyPr vert="horz" lIns="91440" tIns="45720" rIns="91440" bIns="45720" rtlCol="0" anchor="ctr"/>
-          <a:lstStyle>
-            <a:defPPr>
-              <a:defRPr lang="en-US"/>
-            </a:defPPr>
-            <a:lvl1pPr marL="0" algn="r" defTabSz="914400" rtl="0" eaLnBrk="1" latinLnBrk="0" hangingPunct="1">
-              <a:defRPr sz="1200" kern="1200">
-                <a:solidFill>
-                  <a:schemeClr val="tx1">
-                    <a:tint val="75000"/>
-                  </a:schemeClr>
-                </a:solidFill>
-                <a:latin typeface="+mn-lt"/>
-                <a:ea typeface="+mn-ea"/>
-                <a:cs typeface="+mn-cs"/>
-              </a:defRPr>
-            </a:lvl1pPr>
-            <a:lvl2pPr marL="457200" algn="l" defTabSz="914400" rtl="0" eaLnBrk="1" latinLnBrk="0" hangingPunct="1">
-              <a:defRPr sz="1800" kern="1200">
-                <a:solidFill>
-                  <a:schemeClr val="tx1"/>
-                </a:solidFill>
-                <a:latin typeface="+mn-lt"/>
-                <a:ea typeface="+mn-ea"/>
-                <a:cs typeface="+mn-cs"/>
-              </a:defRPr>
-            </a:lvl2pPr>
-            <a:lvl3pPr marL="914400" algn="l" defTabSz="914400" rtl="0" eaLnBrk="1" latinLnBrk="0" hangingPunct="1">
-              <a:defRPr sz="1800" kern="1200">
-                <a:solidFill>
-                  <a:schemeClr val="tx1"/>
-                </a:solidFill>
-                <a:latin typeface="+mn-lt"/>
-                <a:ea typeface="+mn-ea"/>
-                <a:cs typeface="+mn-cs"/>
-              </a:defRPr>
-            </a:lvl3pPr>
-            <a:lvl4pPr marL="1371600" algn="l" defTabSz="914400" rtl="0" eaLnBrk="1" latinLnBrk="0" hangingPunct="1">
-              <a:defRPr sz="1800" kern="1200">
-                <a:solidFill>
-                  <a:schemeClr val="tx1"/>
-                </a:solidFill>
-                <a:latin typeface="+mn-lt"/>
-                <a:ea typeface="+mn-ea"/>
-                <a:cs typeface="+mn-cs"/>
-              </a:defRPr>
-            </a:lvl4pPr>
-            <a:lvl5pPr marL="1828800" algn="l" defTabSz="914400" rtl="0" eaLnBrk="1" latinLnBrk="0" hangingPunct="1">
-              <a:defRPr sz="1800" kern="1200">
-                <a:solidFill>
-                  <a:schemeClr val="tx1"/>
-                </a:solidFill>
-                <a:latin typeface="+mn-lt"/>
-                <a:ea typeface="+mn-ea"/>
-                <a:cs typeface="+mn-cs"/>
-              </a:defRPr>
-            </a:lvl5pPr>
-            <a:lvl6pPr marL="2286000" algn="l" defTabSz="914400" rtl="0" eaLnBrk="1" latinLnBrk="0" hangingPunct="1">
-              <a:defRPr sz="1800" kern="1200">
-                <a:solidFill>
-                  <a:schemeClr val="tx1"/>
-                </a:solidFill>
-                <a:latin typeface="+mn-lt"/>
-                <a:ea typeface="+mn-ea"/>
-                <a:cs typeface="+mn-cs"/>
-              </a:defRPr>
-            </a:lvl6pPr>
-            <a:lvl7pPr marL="2743200" algn="l" defTabSz="914400" rtl="0" eaLnBrk="1" latinLnBrk="0" hangingPunct="1">
-              <a:defRPr sz="1800" kern="1200">
-                <a:solidFill>
-                  <a:schemeClr val="tx1"/>
-                </a:solidFill>
-                <a:latin typeface="+mn-lt"/>
-                <a:ea typeface="+mn-ea"/>
-                <a:cs typeface="+mn-cs"/>
-              </a:defRPr>
-            </a:lvl7pPr>
-            <a:lvl8pPr marL="3200400" algn="l" defTabSz="914400" rtl="0" eaLnBrk="1" latinLnBrk="0" hangingPunct="1">
-              <a:defRPr sz="1800" kern="1200">
-                <a:solidFill>
-                  <a:schemeClr val="tx1"/>
-                </a:solidFill>
-                <a:latin typeface="+mn-lt"/>
-                <a:ea typeface="+mn-ea"/>
-                <a:cs typeface="+mn-cs"/>
-              </a:defRPr>
-            </a:lvl8pPr>
-            <a:lvl9pPr marL="3657600" algn="l" defTabSz="914400" rtl="0" eaLnBrk="1" latinLnBrk="0" hangingPunct="1">
-              <a:defRPr sz="1800" kern="1200">
-                <a:solidFill>
-                  <a:schemeClr val="tx1"/>
-                </a:solidFill>
-                <a:latin typeface="+mn-lt"/>
-                <a:ea typeface="+mn-ea"/>
-                <a:cs typeface="+mn-cs"/>
-              </a:defRPr>
-            </a:lvl9pPr>
-          </a:lstStyle>
-          <a:p>
-            <a:fld id="{71D42481-034A-49D2-AFBC-BA1781263327}" type="slidenum">
-              <a:rPr lang="en-GB" smtClean="0"/>
-              <a:pPr/>
-              <a:t>4</a:t>
-            </a:fld>
-            <a:endParaRPr lang="en-GB" dirty="0"/>
-          </a:p>
-        </p:txBody>
-      </p:sp>
-      <p:sp>
-        <p:nvSpPr>
-          <p:cNvPr id="2" name="Content Placeholder 2">
-            <a:extLst>
-              <a:ext uri="{FF2B5EF4-FFF2-40B4-BE49-F238E27FC236}">
-                <a16:creationId xmlns:a16="http://schemas.microsoft.com/office/drawing/2014/main" id="{1868F857-9CBB-DA1B-BEDF-8C4C2D36B111}"/>
-              </a:ext>
-            </a:extLst>
-          </p:cNvPr>
-          <p:cNvSpPr txBox="1">
-            <a:spLocks/>
-          </p:cNvSpPr>
-          <p:nvPr/>
-        </p:nvSpPr>
-        <p:spPr>
-          <a:xfrm>
-            <a:off x="990600" y="1520889"/>
-            <a:ext cx="10515600" cy="4808473"/>
-          </a:xfrm>
-          <a:prstGeom prst="rect">
-            <a:avLst/>
-          </a:prstGeom>
-        </p:spPr>
-        <p:txBody>
-          <a:bodyPr vert="horz" lIns="91440" tIns="45720" rIns="91440" bIns="45720" rtlCol="0">
-            <a:normAutofit/>
-          </a:bodyPr>
-          <a:lstStyle>
-            <a:lvl1pPr marL="228600" indent="-228600" algn="l" defTabSz="914400" rtl="0" eaLnBrk="1" latinLnBrk="0" hangingPunct="1">
-              <a:lnSpc>
-                <a:spcPct val="90000"/>
-              </a:lnSpc>
-              <a:spcBef>
-                <a:spcPts val="1000"/>
-              </a:spcBef>
-              <a:buFont typeface="Arial" panose="020B0604020202020204" pitchFamily="34" charset="0"/>
-              <a:buChar char="•"/>
-              <a:defRPr sz="2800" kern="1200">
-                <a:solidFill>
-                  <a:schemeClr val="tx1"/>
-                </a:solidFill>
-                <a:latin typeface="+mn-lt"/>
-                <a:ea typeface="+mn-ea"/>
-                <a:cs typeface="+mn-cs"/>
-              </a:defRPr>
-            </a:lvl1pPr>
-            <a:lvl2pPr marL="685800" indent="-228600" algn="l" defTabSz="914400" rtl="0" eaLnBrk="1" latinLnBrk="0" hangingPunct="1">
-              <a:lnSpc>
-                <a:spcPct val="90000"/>
-              </a:lnSpc>
-              <a:spcBef>
-                <a:spcPts val="500"/>
-              </a:spcBef>
-              <a:buFont typeface="Arial" panose="020B0604020202020204" pitchFamily="34" charset="0"/>
-              <a:buChar char="•"/>
-              <a:defRPr sz="2400" kern="1200">
-                <a:solidFill>
-                  <a:schemeClr val="tx1"/>
-                </a:solidFill>
-                <a:latin typeface="+mn-lt"/>
-                <a:ea typeface="+mn-ea"/>
-                <a:cs typeface="+mn-cs"/>
-              </a:defRPr>
-            </a:lvl2pPr>
-            <a:lvl3pPr marL="1143000" indent="-228600" algn="l" defTabSz="914400" rtl="0" eaLnBrk="1" latinLnBrk="0" hangingPunct="1">
-              <a:lnSpc>
-                <a:spcPct val="90000"/>
-              </a:lnSpc>
-              <a:spcBef>
-                <a:spcPts val="500"/>
-              </a:spcBef>
-              <a:buFont typeface="Arial" panose="020B0604020202020204" pitchFamily="34" charset="0"/>
-              <a:buChar char="•"/>
-              <a:defRPr sz="2000" kern="1200">
-                <a:solidFill>
-                  <a:schemeClr val="tx1"/>
-                </a:solidFill>
-                <a:latin typeface="+mn-lt"/>
-                <a:ea typeface="+mn-ea"/>
-                <a:cs typeface="+mn-cs"/>
-              </a:defRPr>
-            </a:lvl3pPr>
-            <a:lvl4pPr marL="1600200" indent="-228600" algn="l" defTabSz="914400" rtl="0" eaLnBrk="1" latinLnBrk="0" hangingPunct="1">
-              <a:lnSpc>
-                <a:spcPct val="90000"/>
-              </a:lnSpc>
-              <a:spcBef>
-                <a:spcPts val="500"/>
-              </a:spcBef>
-              <a:buFont typeface="Arial" panose="020B0604020202020204" pitchFamily="34" charset="0"/>
-              <a:buChar char="•"/>
-              <a:defRPr sz="1800" kern="1200">
-                <a:solidFill>
-                  <a:schemeClr val="tx1"/>
-                </a:solidFill>
-                <a:latin typeface="+mn-lt"/>
-                <a:ea typeface="+mn-ea"/>
-                <a:cs typeface="+mn-cs"/>
-              </a:defRPr>
-            </a:lvl4pPr>
-            <a:lvl5pPr marL="2057400" indent="-228600" algn="l" defTabSz="914400" rtl="0" eaLnBrk="1" latinLnBrk="0" hangingPunct="1">
-              <a:lnSpc>
-                <a:spcPct val="90000"/>
-              </a:lnSpc>
-              <a:spcBef>
-                <a:spcPts val="500"/>
-              </a:spcBef>
-              <a:buFont typeface="Arial" panose="020B0604020202020204" pitchFamily="34" charset="0"/>
-              <a:buChar char="•"/>
-              <a:defRPr sz="1800" kern="1200">
-                <a:solidFill>
-                  <a:schemeClr val="tx1"/>
-                </a:solidFill>
-                <a:latin typeface="+mn-lt"/>
-                <a:ea typeface="+mn-ea"/>
-                <a:cs typeface="+mn-cs"/>
-              </a:defRPr>
-            </a:lvl5pPr>
-            <a:lvl6pPr marL="2514600" indent="-228600" algn="l" defTabSz="914400" rtl="0" eaLnBrk="1" latinLnBrk="0" hangingPunct="1">
-              <a:lnSpc>
-                <a:spcPct val="90000"/>
-              </a:lnSpc>
-              <a:spcBef>
-                <a:spcPts val="500"/>
-              </a:spcBef>
-              <a:buFont typeface="Arial" panose="020B0604020202020204" pitchFamily="34" charset="0"/>
-              <a:buChar char="•"/>
-              <a:defRPr sz="1800" kern="1200">
-                <a:solidFill>
-                  <a:schemeClr val="tx1"/>
-                </a:solidFill>
-                <a:latin typeface="+mn-lt"/>
-                <a:ea typeface="+mn-ea"/>
-                <a:cs typeface="+mn-cs"/>
-              </a:defRPr>
-            </a:lvl6pPr>
-            <a:lvl7pPr marL="2971800" indent="-228600" algn="l" defTabSz="914400" rtl="0" eaLnBrk="1" latinLnBrk="0" hangingPunct="1">
-              <a:lnSpc>
-                <a:spcPct val="90000"/>
-              </a:lnSpc>
-              <a:spcBef>
-                <a:spcPts val="500"/>
-              </a:spcBef>
-              <a:buFont typeface="Arial" panose="020B0604020202020204" pitchFamily="34" charset="0"/>
-              <a:buChar char="•"/>
-              <a:defRPr sz="1800" kern="1200">
-                <a:solidFill>
-                  <a:schemeClr val="tx1"/>
-                </a:solidFill>
-                <a:latin typeface="+mn-lt"/>
-                <a:ea typeface="+mn-ea"/>
-                <a:cs typeface="+mn-cs"/>
-              </a:defRPr>
-            </a:lvl7pPr>
-            <a:lvl8pPr marL="3429000" indent="-228600" algn="l" defTabSz="914400" rtl="0" eaLnBrk="1" latinLnBrk="0" hangingPunct="1">
-              <a:lnSpc>
-                <a:spcPct val="90000"/>
-              </a:lnSpc>
-              <a:spcBef>
-                <a:spcPts val="500"/>
-              </a:spcBef>
-              <a:buFont typeface="Arial" panose="020B0604020202020204" pitchFamily="34" charset="0"/>
-              <a:buChar char="•"/>
-              <a:defRPr sz="1800" kern="1200">
-                <a:solidFill>
-                  <a:schemeClr val="tx1"/>
-                </a:solidFill>
-                <a:latin typeface="+mn-lt"/>
-                <a:ea typeface="+mn-ea"/>
-                <a:cs typeface="+mn-cs"/>
-              </a:defRPr>
-            </a:lvl8pPr>
-            <a:lvl9pPr marL="3886200" indent="-228600" algn="l" defTabSz="914400" rtl="0" eaLnBrk="1" latinLnBrk="0" hangingPunct="1">
-              <a:lnSpc>
-                <a:spcPct val="90000"/>
-              </a:lnSpc>
-              <a:spcBef>
-                <a:spcPts val="500"/>
-              </a:spcBef>
-              <a:buFont typeface="Arial" panose="020B0604020202020204" pitchFamily="34" charset="0"/>
-              <a:buChar char="•"/>
-              <a:defRPr sz="1800" kern="1200">
-                <a:solidFill>
-                  <a:schemeClr val="tx1"/>
-                </a:solidFill>
-                <a:latin typeface="+mn-lt"/>
-                <a:ea typeface="+mn-ea"/>
-                <a:cs typeface="+mn-cs"/>
-              </a:defRPr>
-            </a:lvl9pPr>
-          </a:lstStyle>
-          <a:p>
-            <a:pPr marL="457200" lvl="1" indent="0">
-              <a:buFont typeface="Arial" panose="020B0604020202020204" pitchFamily="34" charset="0"/>
-              <a:buNone/>
-            </a:pPr>
-            <a:endParaRPr lang="en-GB" b="1" u="sng" dirty="0"/>
-          </a:p>
-        </p:txBody>
-      </p:sp>
       <p:pic>
         <p:nvPicPr>
-          <p:cNvPr id="7" name="Picture 6">
-            <a:extLst>
-              <a:ext uri="{FF2B5EF4-FFF2-40B4-BE49-F238E27FC236}">
-                <a16:creationId xmlns:a16="http://schemas.microsoft.com/office/drawing/2014/main" id="{4E3B9078-2FD2-1BB6-D526-1486E0940951}"/>
+          <p:cNvPr id="8" name="Picture 7">
+            <a:extLst>
+              <a:ext uri="{FF2B5EF4-FFF2-40B4-BE49-F238E27FC236}">
+                <a16:creationId xmlns:a16="http://schemas.microsoft.com/office/drawing/2014/main" id="{74D36040-AF9A-ECAC-076D-C39D5100CDFB}"/>
               </a:ext>
             </a:extLst>
           </p:cNvPr>
@@ -5061,599 +6921,181 @@
           </p:cNvPicPr>
           <p:nvPr/>
         </p:nvPicPr>
-        <p:blipFill>
+        <p:blipFill rotWithShape="1">
           <a:blip r:embed="rId2"/>
-          <a:stretch>
-            <a:fillRect/>
-          </a:stretch>
+          <a:srcRect t="18997"/>
+          <a:stretch/>
         </p:blipFill>
         <p:spPr>
           <a:xfrm>
-            <a:off x="1234005" y="1357657"/>
-            <a:ext cx="6701127" cy="723070"/>
+            <a:off x="6840213" y="2700645"/>
+            <a:ext cx="3141987" cy="3824633"/>
           </a:xfrm>
           <a:prstGeom prst="rect">
             <a:avLst/>
           </a:prstGeom>
         </p:spPr>
       </p:pic>
-      <p:pic>
-        <p:nvPicPr>
-          <p:cNvPr id="9" name="Picture 8">
-            <a:extLst>
-              <a:ext uri="{FF2B5EF4-FFF2-40B4-BE49-F238E27FC236}">
-                <a16:creationId xmlns:a16="http://schemas.microsoft.com/office/drawing/2014/main" id="{E2803710-552D-1DD2-D1BC-D0DAB741075E}"/>
-              </a:ext>
-            </a:extLst>
-          </p:cNvPr>
-          <p:cNvPicPr>
-            <a:picLocks noChangeAspect="1"/>
-          </p:cNvPicPr>
+      <p:sp>
+        <p:nvSpPr>
+          <p:cNvPr id="9" name="Rectangle 8">
+            <a:extLst>
+              <a:ext uri="{FF2B5EF4-FFF2-40B4-BE49-F238E27FC236}">
+                <a16:creationId xmlns:a16="http://schemas.microsoft.com/office/drawing/2014/main" id="{471452E9-C5A0-4F97-0BAC-8493F6CE16DB}"/>
+              </a:ext>
+            </a:extLst>
+          </p:cNvPr>
+          <p:cNvSpPr/>
           <p:nvPr/>
-        </p:nvPicPr>
-        <p:blipFill>
-          <a:blip r:embed="rId3"/>
-          <a:stretch>
-            <a:fillRect/>
-          </a:stretch>
-        </p:blipFill>
+        </p:nvSpPr>
         <p:spPr>
           <a:xfrm>
-            <a:off x="632926" y="2382192"/>
-            <a:ext cx="5211131" cy="3172247"/>
+            <a:off x="838200" y="308948"/>
+            <a:ext cx="4800600" cy="2117012"/>
           </a:xfrm>
           <a:prstGeom prst="rect">
             <a:avLst/>
           </a:prstGeom>
+          <a:noFill/>
           <a:ln>
             <a:solidFill>
               <a:schemeClr val="tx1"/>
             </a:solidFill>
           </a:ln>
         </p:spPr>
-      </p:pic>
-      <p:pic>
-        <p:nvPicPr>
-          <p:cNvPr id="11" name="Picture 10">
-            <a:extLst>
-              <a:ext uri="{FF2B5EF4-FFF2-40B4-BE49-F238E27FC236}">
-                <a16:creationId xmlns:a16="http://schemas.microsoft.com/office/drawing/2014/main" id="{E93E900C-E360-BC13-EC1B-EDDDA6E1217E}"/>
-              </a:ext>
-            </a:extLst>
-          </p:cNvPr>
-          <p:cNvPicPr>
-            <a:picLocks noChangeAspect="1"/>
-          </p:cNvPicPr>
+        <p:style>
+          <a:lnRef idx="2">
+            <a:schemeClr val="accent1">
+              <a:shade val="15000"/>
+            </a:schemeClr>
+          </a:lnRef>
+          <a:fillRef idx="1">
+            <a:schemeClr val="accent1"/>
+          </a:fillRef>
+          <a:effectRef idx="0">
+            <a:schemeClr val="accent1"/>
+          </a:effectRef>
+          <a:fontRef idx="minor">
+            <a:schemeClr val="lt1"/>
+          </a:fontRef>
+        </p:style>
+        <p:txBody>
+          <a:bodyPr rtlCol="0" anchor="ctr"/>
+          <a:lstStyle/>
+          <a:p>
+            <a:pPr algn="ctr"/>
+            <a:endParaRPr lang="en-GB"/>
+          </a:p>
+        </p:txBody>
+      </p:sp>
+      <p:sp>
+        <p:nvSpPr>
+          <p:cNvPr id="10" name="Rectangle 9">
+            <a:extLst>
+              <a:ext uri="{FF2B5EF4-FFF2-40B4-BE49-F238E27FC236}">
+                <a16:creationId xmlns:a16="http://schemas.microsoft.com/office/drawing/2014/main" id="{3A6A8998-A7C9-E0F9-81C3-BF84F5C17A81}"/>
+              </a:ext>
+            </a:extLst>
+          </p:cNvPr>
+          <p:cNvSpPr/>
           <p:nvPr/>
-        </p:nvPicPr>
-        <p:blipFill>
-          <a:blip r:embed="rId4"/>
-          <a:stretch>
-            <a:fillRect/>
-          </a:stretch>
-        </p:blipFill>
+        </p:nvSpPr>
         <p:spPr>
           <a:xfrm>
-            <a:off x="6018245" y="2377902"/>
-            <a:ext cx="5761882" cy="3471982"/>
+            <a:off x="6345983" y="223530"/>
+            <a:ext cx="4800600" cy="2295525"/>
           </a:xfrm>
           <a:prstGeom prst="rect">
             <a:avLst/>
           </a:prstGeom>
+          <a:noFill/>
           <a:ln>
             <a:solidFill>
               <a:schemeClr val="tx1"/>
             </a:solidFill>
           </a:ln>
         </p:spPr>
-      </p:pic>
-    </p:spTree>
-    <p:extLst>
-      <p:ext uri="{BB962C8B-B14F-4D97-AF65-F5344CB8AC3E}">
-        <p14:creationId xmlns:p14="http://schemas.microsoft.com/office/powerpoint/2010/main" val="2932378845"/>
-      </p:ext>
-    </p:extLst>
-  </p:cSld>
-  <p:clrMapOvr>
-    <a:masterClrMapping/>
-  </p:clrMapOvr>
-</p:sld>
-</file>
-
-<file path=ppt/slides/slide5.xml><?xml version="1.0" encoding="utf-8"?>
-<p:sld xmlns:a="http://schemas.openxmlformats.org/drawingml/2006/main" xmlns:r="http://schemas.openxmlformats.org/officeDocument/2006/relationships" xmlns:p="http://schemas.openxmlformats.org/presentationml/2006/main">
-  <p:cSld>
-    <p:spTree>
-      <p:nvGrpSpPr>
-        <p:cNvPr id="1" name=""/>
-        <p:cNvGrpSpPr/>
-        <p:nvPr/>
-      </p:nvGrpSpPr>
-      <p:grpSpPr>
-        <a:xfrm>
-          <a:off x="0" y="0"/>
-          <a:ext cx="0" cy="0"/>
-          <a:chOff x="0" y="0"/>
-          <a:chExt cx="0" cy="0"/>
-        </a:xfrm>
-      </p:grpSpPr>
-      <p:sp>
-        <p:nvSpPr>
-          <p:cNvPr id="3" name="Content Placeholder 2">
-            <a:extLst>
-              <a:ext uri="{FF2B5EF4-FFF2-40B4-BE49-F238E27FC236}">
-                <a16:creationId xmlns:a16="http://schemas.microsoft.com/office/drawing/2014/main" id="{E05C6E16-9518-B3F1-1D00-B0583D720145}"/>
-              </a:ext>
-            </a:extLst>
-          </p:cNvPr>
-          <p:cNvSpPr>
-            <a:spLocks noGrp="1"/>
-          </p:cNvSpPr>
-          <p:nvPr>
-            <p:ph idx="1"/>
-          </p:nvPr>
+        <p:style>
+          <a:lnRef idx="2">
+            <a:schemeClr val="accent1">
+              <a:shade val="15000"/>
+            </a:schemeClr>
+          </a:lnRef>
+          <a:fillRef idx="1">
+            <a:schemeClr val="accent1"/>
+          </a:fillRef>
+          <a:effectRef idx="0">
+            <a:schemeClr val="accent1"/>
+          </a:effectRef>
+          <a:fontRef idx="minor">
+            <a:schemeClr val="lt1"/>
+          </a:fontRef>
+        </p:style>
+        <p:txBody>
+          <a:bodyPr rtlCol="0" anchor="ctr"/>
+          <a:lstStyle/>
+          <a:p>
+            <a:pPr algn="ctr"/>
+            <a:endParaRPr lang="en-GB"/>
+          </a:p>
+        </p:txBody>
+      </p:sp>
+      <p:sp>
+        <p:nvSpPr>
+          <p:cNvPr id="11" name="Rectangle 10">
+            <a:extLst>
+              <a:ext uri="{FF2B5EF4-FFF2-40B4-BE49-F238E27FC236}">
+                <a16:creationId xmlns:a16="http://schemas.microsoft.com/office/drawing/2014/main" id="{8E5ACA6B-8929-A35B-F3C4-1F0E72A4D5E0}"/>
+              </a:ext>
+            </a:extLst>
+          </p:cNvPr>
+          <p:cNvSpPr/>
+          <p:nvPr/>
         </p:nvSpPr>
         <p:spPr>
           <a:xfrm>
-            <a:off x="632926" y="528638"/>
-            <a:ext cx="7977674" cy="531844"/>
-          </a:xfrm>
-        </p:spPr>
-        <p:txBody>
-          <a:bodyPr>
-            <a:normAutofit/>
-          </a:bodyPr>
-          <a:lstStyle/>
-          <a:p>
-            <a:pPr marL="457200" lvl="1" indent="0">
-              <a:buNone/>
-            </a:pPr>
-            <a:r>
-              <a:rPr lang="es-ES" b="1" u="sng" dirty="0"/>
-              <a:t>I</a:t>
-            </a:r>
-            <a:r>
-              <a:rPr lang="en-GB" b="1" u="sng" dirty="0"/>
-              <a:t>s there a correlation between mortality and sex or age</a:t>
-            </a:r>
-          </a:p>
-        </p:txBody>
-      </p:sp>
-      <p:sp>
-        <p:nvSpPr>
-          <p:cNvPr id="4" name="Slide Number Placeholder 3">
-            <a:extLst>
-              <a:ext uri="{FF2B5EF4-FFF2-40B4-BE49-F238E27FC236}">
-                <a16:creationId xmlns:a16="http://schemas.microsoft.com/office/drawing/2014/main" id="{83487598-FC16-4B46-247D-BA85E2D378B7}"/>
-              </a:ext>
-            </a:extLst>
-          </p:cNvPr>
-          <p:cNvSpPr>
-            <a:spLocks noGrp="1"/>
-          </p:cNvSpPr>
-          <p:nvPr>
-            <p:ph type="sldNum" sz="quarter" idx="12"/>
-          </p:nvPr>
-        </p:nvSpPr>
-        <p:spPr/>
-        <p:txBody>
-          <a:bodyPr/>
-          <a:lstStyle/>
-          <a:p>
-            <a:fld id="{71D42481-034A-49D2-AFBC-BA1781263327}" type="slidenum">
-              <a:rPr lang="en-GB" smtClean="0"/>
-              <a:t>5</a:t>
-            </a:fld>
-            <a:endParaRPr lang="en-GB"/>
-          </a:p>
-        </p:txBody>
-      </p:sp>
-      <p:sp>
-        <p:nvSpPr>
-          <p:cNvPr id="5" name="Slide Number Placeholder 7">
-            <a:extLst>
-              <a:ext uri="{FF2B5EF4-FFF2-40B4-BE49-F238E27FC236}">
-                <a16:creationId xmlns:a16="http://schemas.microsoft.com/office/drawing/2014/main" id="{54B185B4-8608-F8DA-ABEF-5247EE0308D3}"/>
-              </a:ext>
-            </a:extLst>
-          </p:cNvPr>
-          <p:cNvSpPr txBox="1">
-            <a:spLocks/>
-          </p:cNvSpPr>
-          <p:nvPr/>
-        </p:nvSpPr>
-        <p:spPr>
-          <a:xfrm>
-            <a:off x="10963468" y="6356350"/>
-            <a:ext cx="390331" cy="365125"/>
+            <a:off x="797379" y="2606675"/>
+            <a:ext cx="9690230" cy="4114800"/>
           </a:xfrm>
           <a:prstGeom prst="rect">
             <a:avLst/>
           </a:prstGeom>
-        </p:spPr>
-        <p:txBody>
-          <a:bodyPr vert="horz" lIns="91440" tIns="45720" rIns="91440" bIns="45720" rtlCol="0" anchor="ctr"/>
-          <a:lstStyle>
-            <a:defPPr>
-              <a:defRPr lang="en-US"/>
-            </a:defPPr>
-            <a:lvl1pPr marL="0" algn="r" defTabSz="914400" rtl="0" eaLnBrk="1" latinLnBrk="0" hangingPunct="1">
-              <a:defRPr sz="1200" kern="1200">
-                <a:solidFill>
-                  <a:schemeClr val="tx1">
-                    <a:tint val="75000"/>
-                  </a:schemeClr>
-                </a:solidFill>
-                <a:latin typeface="+mn-lt"/>
-                <a:ea typeface="+mn-ea"/>
-                <a:cs typeface="+mn-cs"/>
-              </a:defRPr>
-            </a:lvl1pPr>
-            <a:lvl2pPr marL="457200" algn="l" defTabSz="914400" rtl="0" eaLnBrk="1" latinLnBrk="0" hangingPunct="1">
-              <a:defRPr sz="1800" kern="1200">
-                <a:solidFill>
-                  <a:schemeClr val="tx1"/>
-                </a:solidFill>
-                <a:latin typeface="+mn-lt"/>
-                <a:ea typeface="+mn-ea"/>
-                <a:cs typeface="+mn-cs"/>
-              </a:defRPr>
-            </a:lvl2pPr>
-            <a:lvl3pPr marL="914400" algn="l" defTabSz="914400" rtl="0" eaLnBrk="1" latinLnBrk="0" hangingPunct="1">
-              <a:defRPr sz="1800" kern="1200">
-                <a:solidFill>
-                  <a:schemeClr val="tx1"/>
-                </a:solidFill>
-                <a:latin typeface="+mn-lt"/>
-                <a:ea typeface="+mn-ea"/>
-                <a:cs typeface="+mn-cs"/>
-              </a:defRPr>
-            </a:lvl3pPr>
-            <a:lvl4pPr marL="1371600" algn="l" defTabSz="914400" rtl="0" eaLnBrk="1" latinLnBrk="0" hangingPunct="1">
-              <a:defRPr sz="1800" kern="1200">
-                <a:solidFill>
-                  <a:schemeClr val="tx1"/>
-                </a:solidFill>
-                <a:latin typeface="+mn-lt"/>
-                <a:ea typeface="+mn-ea"/>
-                <a:cs typeface="+mn-cs"/>
-              </a:defRPr>
-            </a:lvl4pPr>
-            <a:lvl5pPr marL="1828800" algn="l" defTabSz="914400" rtl="0" eaLnBrk="1" latinLnBrk="0" hangingPunct="1">
-              <a:defRPr sz="1800" kern="1200">
-                <a:solidFill>
-                  <a:schemeClr val="tx1"/>
-                </a:solidFill>
-                <a:latin typeface="+mn-lt"/>
-                <a:ea typeface="+mn-ea"/>
-                <a:cs typeface="+mn-cs"/>
-              </a:defRPr>
-            </a:lvl5pPr>
-            <a:lvl6pPr marL="2286000" algn="l" defTabSz="914400" rtl="0" eaLnBrk="1" latinLnBrk="0" hangingPunct="1">
-              <a:defRPr sz="1800" kern="1200">
-                <a:solidFill>
-                  <a:schemeClr val="tx1"/>
-                </a:solidFill>
-                <a:latin typeface="+mn-lt"/>
-                <a:ea typeface="+mn-ea"/>
-                <a:cs typeface="+mn-cs"/>
-              </a:defRPr>
-            </a:lvl6pPr>
-            <a:lvl7pPr marL="2743200" algn="l" defTabSz="914400" rtl="0" eaLnBrk="1" latinLnBrk="0" hangingPunct="1">
-              <a:defRPr sz="1800" kern="1200">
-                <a:solidFill>
-                  <a:schemeClr val="tx1"/>
-                </a:solidFill>
-                <a:latin typeface="+mn-lt"/>
-                <a:ea typeface="+mn-ea"/>
-                <a:cs typeface="+mn-cs"/>
-              </a:defRPr>
-            </a:lvl7pPr>
-            <a:lvl8pPr marL="3200400" algn="l" defTabSz="914400" rtl="0" eaLnBrk="1" latinLnBrk="0" hangingPunct="1">
-              <a:defRPr sz="1800" kern="1200">
-                <a:solidFill>
-                  <a:schemeClr val="tx1"/>
-                </a:solidFill>
-                <a:latin typeface="+mn-lt"/>
-                <a:ea typeface="+mn-ea"/>
-                <a:cs typeface="+mn-cs"/>
-              </a:defRPr>
-            </a:lvl8pPr>
-            <a:lvl9pPr marL="3657600" algn="l" defTabSz="914400" rtl="0" eaLnBrk="1" latinLnBrk="0" hangingPunct="1">
-              <a:defRPr sz="1800" kern="1200">
-                <a:solidFill>
-                  <a:schemeClr val="tx1"/>
-                </a:solidFill>
-                <a:latin typeface="+mn-lt"/>
-                <a:ea typeface="+mn-ea"/>
-                <a:cs typeface="+mn-cs"/>
-              </a:defRPr>
-            </a:lvl9pPr>
-          </a:lstStyle>
-          <a:p>
-            <a:fld id="{71D42481-034A-49D2-AFBC-BA1781263327}" type="slidenum">
-              <a:rPr lang="en-GB" smtClean="0"/>
-              <a:pPr/>
-              <a:t>5</a:t>
-            </a:fld>
-            <a:endParaRPr lang="en-GB" dirty="0"/>
-          </a:p>
-        </p:txBody>
-      </p:sp>
-      <p:sp>
-        <p:nvSpPr>
-          <p:cNvPr id="2" name="Content Placeholder 2">
-            <a:extLst>
-              <a:ext uri="{FF2B5EF4-FFF2-40B4-BE49-F238E27FC236}">
-                <a16:creationId xmlns:a16="http://schemas.microsoft.com/office/drawing/2014/main" id="{1868F857-9CBB-DA1B-BEDF-8C4C2D36B111}"/>
-              </a:ext>
-            </a:extLst>
-          </p:cNvPr>
-          <p:cNvSpPr txBox="1">
-            <a:spLocks/>
-          </p:cNvSpPr>
-          <p:nvPr/>
-        </p:nvSpPr>
-        <p:spPr>
-          <a:xfrm>
-            <a:off x="990600" y="1520889"/>
-            <a:ext cx="10515600" cy="4808473"/>
-          </a:xfrm>
-          <a:prstGeom prst="rect">
-            <a:avLst/>
-          </a:prstGeom>
-        </p:spPr>
-        <p:txBody>
-          <a:bodyPr vert="horz" lIns="91440" tIns="45720" rIns="91440" bIns="45720" rtlCol="0">
-            <a:normAutofit/>
-          </a:bodyPr>
-          <a:lstStyle>
-            <a:lvl1pPr marL="228600" indent="-228600" algn="l" defTabSz="914400" rtl="0" eaLnBrk="1" latinLnBrk="0" hangingPunct="1">
-              <a:lnSpc>
-                <a:spcPct val="90000"/>
-              </a:lnSpc>
-              <a:spcBef>
-                <a:spcPts val="1000"/>
-              </a:spcBef>
-              <a:buFont typeface="Arial" panose="020B0604020202020204" pitchFamily="34" charset="0"/>
-              <a:buChar char="•"/>
-              <a:defRPr sz="2800" kern="1200">
-                <a:solidFill>
-                  <a:schemeClr val="tx1"/>
-                </a:solidFill>
-                <a:latin typeface="+mn-lt"/>
-                <a:ea typeface="+mn-ea"/>
-                <a:cs typeface="+mn-cs"/>
-              </a:defRPr>
-            </a:lvl1pPr>
-            <a:lvl2pPr marL="685800" indent="-228600" algn="l" defTabSz="914400" rtl="0" eaLnBrk="1" latinLnBrk="0" hangingPunct="1">
-              <a:lnSpc>
-                <a:spcPct val="90000"/>
-              </a:lnSpc>
-              <a:spcBef>
-                <a:spcPts val="500"/>
-              </a:spcBef>
-              <a:buFont typeface="Arial" panose="020B0604020202020204" pitchFamily="34" charset="0"/>
-              <a:buChar char="•"/>
-              <a:defRPr sz="2400" kern="1200">
-                <a:solidFill>
-                  <a:schemeClr val="tx1"/>
-                </a:solidFill>
-                <a:latin typeface="+mn-lt"/>
-                <a:ea typeface="+mn-ea"/>
-                <a:cs typeface="+mn-cs"/>
-              </a:defRPr>
-            </a:lvl2pPr>
-            <a:lvl3pPr marL="1143000" indent="-228600" algn="l" defTabSz="914400" rtl="0" eaLnBrk="1" latinLnBrk="0" hangingPunct="1">
-              <a:lnSpc>
-                <a:spcPct val="90000"/>
-              </a:lnSpc>
-              <a:spcBef>
-                <a:spcPts val="500"/>
-              </a:spcBef>
-              <a:buFont typeface="Arial" panose="020B0604020202020204" pitchFamily="34" charset="0"/>
-              <a:buChar char="•"/>
-              <a:defRPr sz="2000" kern="1200">
-                <a:solidFill>
-                  <a:schemeClr val="tx1"/>
-                </a:solidFill>
-                <a:latin typeface="+mn-lt"/>
-                <a:ea typeface="+mn-ea"/>
-                <a:cs typeface="+mn-cs"/>
-              </a:defRPr>
-            </a:lvl3pPr>
-            <a:lvl4pPr marL="1600200" indent="-228600" algn="l" defTabSz="914400" rtl="0" eaLnBrk="1" latinLnBrk="0" hangingPunct="1">
-              <a:lnSpc>
-                <a:spcPct val="90000"/>
-              </a:lnSpc>
-              <a:spcBef>
-                <a:spcPts val="500"/>
-              </a:spcBef>
-              <a:buFont typeface="Arial" panose="020B0604020202020204" pitchFamily="34" charset="0"/>
-              <a:buChar char="•"/>
-              <a:defRPr sz="1800" kern="1200">
-                <a:solidFill>
-                  <a:schemeClr val="tx1"/>
-                </a:solidFill>
-                <a:latin typeface="+mn-lt"/>
-                <a:ea typeface="+mn-ea"/>
-                <a:cs typeface="+mn-cs"/>
-              </a:defRPr>
-            </a:lvl4pPr>
-            <a:lvl5pPr marL="2057400" indent="-228600" algn="l" defTabSz="914400" rtl="0" eaLnBrk="1" latinLnBrk="0" hangingPunct="1">
-              <a:lnSpc>
-                <a:spcPct val="90000"/>
-              </a:lnSpc>
-              <a:spcBef>
-                <a:spcPts val="500"/>
-              </a:spcBef>
-              <a:buFont typeface="Arial" panose="020B0604020202020204" pitchFamily="34" charset="0"/>
-              <a:buChar char="•"/>
-              <a:defRPr sz="1800" kern="1200">
-                <a:solidFill>
-                  <a:schemeClr val="tx1"/>
-                </a:solidFill>
-                <a:latin typeface="+mn-lt"/>
-                <a:ea typeface="+mn-ea"/>
-                <a:cs typeface="+mn-cs"/>
-              </a:defRPr>
-            </a:lvl5pPr>
-            <a:lvl6pPr marL="2514600" indent="-228600" algn="l" defTabSz="914400" rtl="0" eaLnBrk="1" latinLnBrk="0" hangingPunct="1">
-              <a:lnSpc>
-                <a:spcPct val="90000"/>
-              </a:lnSpc>
-              <a:spcBef>
-                <a:spcPts val="500"/>
-              </a:spcBef>
-              <a:buFont typeface="Arial" panose="020B0604020202020204" pitchFamily="34" charset="0"/>
-              <a:buChar char="•"/>
-              <a:defRPr sz="1800" kern="1200">
-                <a:solidFill>
-                  <a:schemeClr val="tx1"/>
-                </a:solidFill>
-                <a:latin typeface="+mn-lt"/>
-                <a:ea typeface="+mn-ea"/>
-                <a:cs typeface="+mn-cs"/>
-              </a:defRPr>
-            </a:lvl6pPr>
-            <a:lvl7pPr marL="2971800" indent="-228600" algn="l" defTabSz="914400" rtl="0" eaLnBrk="1" latinLnBrk="0" hangingPunct="1">
-              <a:lnSpc>
-                <a:spcPct val="90000"/>
-              </a:lnSpc>
-              <a:spcBef>
-                <a:spcPts val="500"/>
-              </a:spcBef>
-              <a:buFont typeface="Arial" panose="020B0604020202020204" pitchFamily="34" charset="0"/>
-              <a:buChar char="•"/>
-              <a:defRPr sz="1800" kern="1200">
-                <a:solidFill>
-                  <a:schemeClr val="tx1"/>
-                </a:solidFill>
-                <a:latin typeface="+mn-lt"/>
-                <a:ea typeface="+mn-ea"/>
-                <a:cs typeface="+mn-cs"/>
-              </a:defRPr>
-            </a:lvl7pPr>
-            <a:lvl8pPr marL="3429000" indent="-228600" algn="l" defTabSz="914400" rtl="0" eaLnBrk="1" latinLnBrk="0" hangingPunct="1">
-              <a:lnSpc>
-                <a:spcPct val="90000"/>
-              </a:lnSpc>
-              <a:spcBef>
-                <a:spcPts val="500"/>
-              </a:spcBef>
-              <a:buFont typeface="Arial" panose="020B0604020202020204" pitchFamily="34" charset="0"/>
-              <a:buChar char="•"/>
-              <a:defRPr sz="1800" kern="1200">
-                <a:solidFill>
-                  <a:schemeClr val="tx1"/>
-                </a:solidFill>
-                <a:latin typeface="+mn-lt"/>
-                <a:ea typeface="+mn-ea"/>
-                <a:cs typeface="+mn-cs"/>
-              </a:defRPr>
-            </a:lvl8pPr>
-            <a:lvl9pPr marL="3886200" indent="-228600" algn="l" defTabSz="914400" rtl="0" eaLnBrk="1" latinLnBrk="0" hangingPunct="1">
-              <a:lnSpc>
-                <a:spcPct val="90000"/>
-              </a:lnSpc>
-              <a:spcBef>
-                <a:spcPts val="500"/>
-              </a:spcBef>
-              <a:buFont typeface="Arial" panose="020B0604020202020204" pitchFamily="34" charset="0"/>
-              <a:buChar char="•"/>
-              <a:defRPr sz="1800" kern="1200">
-                <a:solidFill>
-                  <a:schemeClr val="tx1"/>
-                </a:solidFill>
-                <a:latin typeface="+mn-lt"/>
-                <a:ea typeface="+mn-ea"/>
-                <a:cs typeface="+mn-cs"/>
-              </a:defRPr>
-            </a:lvl9pPr>
-          </a:lstStyle>
-          <a:p>
-            <a:pPr marL="457200" lvl="1" indent="0">
-              <a:buFont typeface="Arial" panose="020B0604020202020204" pitchFamily="34" charset="0"/>
-              <a:buNone/>
-            </a:pPr>
-            <a:endParaRPr lang="en-GB" b="1" u="sng" dirty="0"/>
-          </a:p>
-        </p:txBody>
-      </p:sp>
-      <p:pic>
-        <p:nvPicPr>
-          <p:cNvPr id="18" name="Picture 17">
-            <a:extLst>
-              <a:ext uri="{FF2B5EF4-FFF2-40B4-BE49-F238E27FC236}">
-                <a16:creationId xmlns:a16="http://schemas.microsoft.com/office/drawing/2014/main" id="{7EF4B81E-CB33-A991-C606-A3D174A2C637}"/>
-              </a:ext>
-            </a:extLst>
-          </p:cNvPr>
-          <p:cNvPicPr>
-            <a:picLocks noChangeAspect="1"/>
-          </p:cNvPicPr>
-          <p:nvPr/>
-        </p:nvPicPr>
-        <p:blipFill>
-          <a:blip r:embed="rId2"/>
-          <a:stretch>
-            <a:fillRect/>
-          </a:stretch>
-        </p:blipFill>
-        <p:spPr>
-          <a:xfrm>
-            <a:off x="6096000" y="1726050"/>
-            <a:ext cx="5320592" cy="4023977"/>
-          </a:xfrm>
-          <a:prstGeom prst="rect">
-            <a:avLst/>
-          </a:prstGeom>
+          <a:noFill/>
           <a:ln>
             <a:solidFill>
               <a:schemeClr val="tx1"/>
             </a:solidFill>
           </a:ln>
         </p:spPr>
-      </p:pic>
-      <p:pic>
-        <p:nvPicPr>
-          <p:cNvPr id="20" name="Picture 19">
-            <a:extLst>
-              <a:ext uri="{FF2B5EF4-FFF2-40B4-BE49-F238E27FC236}">
-                <a16:creationId xmlns:a16="http://schemas.microsoft.com/office/drawing/2014/main" id="{E17820F7-98D9-1C7B-1D7A-07CDB919BC85}"/>
-              </a:ext>
-            </a:extLst>
-          </p:cNvPr>
-          <p:cNvPicPr>
-            <a:picLocks noChangeAspect="1"/>
-          </p:cNvPicPr>
-          <p:nvPr/>
-        </p:nvPicPr>
-        <p:blipFill>
-          <a:blip r:embed="rId3"/>
-          <a:stretch>
-            <a:fillRect/>
-          </a:stretch>
-        </p:blipFill>
-        <p:spPr>
-          <a:xfrm>
-            <a:off x="1380648" y="1948556"/>
-            <a:ext cx="4109826" cy="3883076"/>
-          </a:xfrm>
-          <a:prstGeom prst="rect">
-            <a:avLst/>
-          </a:prstGeom>
-          <a:ln>
-            <a:solidFill>
-              <a:schemeClr val="tx1"/>
-            </a:solidFill>
-          </a:ln>
-        </p:spPr>
-      </p:pic>
+        <p:style>
+          <a:lnRef idx="2">
+            <a:schemeClr val="accent1">
+              <a:shade val="15000"/>
+            </a:schemeClr>
+          </a:lnRef>
+          <a:fillRef idx="1">
+            <a:schemeClr val="accent1"/>
+          </a:fillRef>
+          <a:effectRef idx="0">
+            <a:schemeClr val="accent1"/>
+          </a:effectRef>
+          <a:fontRef idx="minor">
+            <a:schemeClr val="lt1"/>
+          </a:fontRef>
+        </p:style>
+        <p:txBody>
+          <a:bodyPr rtlCol="0" anchor="ctr"/>
+          <a:lstStyle/>
+          <a:p>
+            <a:pPr algn="ctr"/>
+            <a:endParaRPr lang="en-GB"/>
+          </a:p>
+        </p:txBody>
+      </p:sp>
     </p:spTree>
     <p:extLst>
       <p:ext uri="{BB962C8B-B14F-4D97-AF65-F5344CB8AC3E}">
-        <p14:creationId xmlns:p14="http://schemas.microsoft.com/office/powerpoint/2010/main" val="3464049124"/>
+        <p14:creationId xmlns:p14="http://schemas.microsoft.com/office/powerpoint/2010/main" val="1798986207"/>
       </p:ext>
     </p:extLst>
   </p:cSld>
